--- a/myhealth-without demo.pptx
+++ b/myhealth-without demo.pptx
@@ -15,6 +15,10 @@
     <p:sldId id="265" r:id="rId12"/>
     <p:sldId id="266" r:id="rId13"/>
     <p:sldId id="267" r:id="rId14"/>
+    <p:sldId id="269" r:id="rId15"/>
+    <p:sldId id="270" r:id="rId16"/>
+    <p:sldId id="271" r:id="rId17"/>
+    <p:sldId id="272" r:id="rId18"/>
   </p:sldIdLst>
   <p:sldSz cx="12192000" cy="6858000"/>
   <p:notesSz cx="6858000" cy="9144000"/>
@@ -124,13 +128,386 @@
 <file path=ppt/revisionInfo.xml><?xml version="1.0" encoding="utf-8"?>
 <p1510:revInfo xmlns:a="http://schemas.openxmlformats.org/drawingml/2006/main" xmlns:r="http://schemas.openxmlformats.org/officeDocument/2006/relationships" xmlns:p1510="http://schemas.microsoft.com/office/powerpoint/2015/10/main">
   <p1510:revLst>
-    <p1510:client id="{B928E855-782A-4157-B085-DAF2BB8015F1}" v="21" dt="2024-03-04T10:07:29.638"/>
+    <p1510:client id="{3A9CBE6B-853A-4093-ABDA-488819ACB84E}" v="64" dt="2024-03-06T08:31:46.028"/>
+    <p1510:client id="{ABA0ADE0-0A3F-BB42-8351-F108C052FFE6}" v="170" dt="2024-03-06T08:18:42.451"/>
   </p1510:revLst>
 </p1510:revInfo>
 </file>
 
 <file path=ppt/changesInfos/changesInfo1.xml><?xml version="1.0" encoding="utf-8"?>
 <pc:chgInfo xmlns:a="http://schemas.openxmlformats.org/drawingml/2006/main" xmlns:r="http://schemas.openxmlformats.org/officeDocument/2006/relationships" xmlns:ac="http://schemas.microsoft.com/office/drawing/2013/main/command" xmlns:pc="http://schemas.microsoft.com/office/powerpoint/2013/main/command">
+  <pc:docChgLst>
+    <pc:chgData name="ירין לוי" userId="S::yarin.levi4@msmail.ariel.ac.il::8749087e-b536-49b3-b29e-4a7c73d1b748" providerId="AD" clId="Web-{ABA0ADE0-0A3F-BB42-8351-F108C052FFE6}"/>
+    <pc:docChg chg="delSld modSld sldOrd">
+      <pc:chgData name="ירין לוי" userId="S::yarin.levi4@msmail.ariel.ac.il::8749087e-b536-49b3-b29e-4a7c73d1b748" providerId="AD" clId="Web-{ABA0ADE0-0A3F-BB42-8351-F108C052FFE6}" dt="2024-03-06T08:18:42.451" v="154"/>
+      <pc:docMkLst>
+        <pc:docMk/>
+      </pc:docMkLst>
+      <pc:sldChg chg="ord">
+        <pc:chgData name="ירין לוי" userId="S::yarin.levi4@msmail.ariel.ac.il::8749087e-b536-49b3-b29e-4a7c73d1b748" providerId="AD" clId="Web-{ABA0ADE0-0A3F-BB42-8351-F108C052FFE6}" dt="2024-03-06T08:18:37.092" v="150"/>
+        <pc:sldMkLst>
+          <pc:docMk/>
+          <pc:sldMk cId="351458589" sldId="268"/>
+        </pc:sldMkLst>
+      </pc:sldChg>
+      <pc:sldChg chg="addSp delSp modSp">
+        <pc:chgData name="ירין לוי" userId="S::yarin.levi4@msmail.ariel.ac.il::8749087e-b536-49b3-b29e-4a7c73d1b748" providerId="AD" clId="Web-{ABA0ADE0-0A3F-BB42-8351-F108C052FFE6}" dt="2024-03-06T08:08:21.091" v="38" actId="1076"/>
+        <pc:sldMkLst>
+          <pc:docMk/>
+          <pc:sldMk cId="620071850" sldId="269"/>
+        </pc:sldMkLst>
+        <pc:spChg chg="mod">
+          <ac:chgData name="ירין לוי" userId="S::yarin.levi4@msmail.ariel.ac.il::8749087e-b536-49b3-b29e-4a7c73d1b748" providerId="AD" clId="Web-{ABA0ADE0-0A3F-BB42-8351-F108C052FFE6}" dt="2024-03-06T08:06:41.979" v="22" actId="1076"/>
+          <ac:spMkLst>
+            <pc:docMk/>
+            <pc:sldMk cId="620071850" sldId="269"/>
+            <ac:spMk id="2" creationId="{22B1E9E0-5EC5-9CCC-9994-E34DFDF891B8}"/>
+          </ac:spMkLst>
+        </pc:spChg>
+        <pc:spChg chg="del">
+          <ac:chgData name="ירין לוי" userId="S::yarin.levi4@msmail.ariel.ac.il::8749087e-b536-49b3-b29e-4a7c73d1b748" providerId="AD" clId="Web-{ABA0ADE0-0A3F-BB42-8351-F108C052FFE6}" dt="2024-03-06T08:05:10.055" v="4"/>
+          <ac:spMkLst>
+            <pc:docMk/>
+            <pc:sldMk cId="620071850" sldId="269"/>
+            <ac:spMk id="3" creationId="{42E0F9C0-1A79-7BAF-D1BA-19EF621DA44A}"/>
+          </ac:spMkLst>
+        </pc:spChg>
+        <pc:picChg chg="add del mod">
+          <ac:chgData name="ירין לוי" userId="S::yarin.levi4@msmail.ariel.ac.il::8749087e-b536-49b3-b29e-4a7c73d1b748" providerId="AD" clId="Web-{ABA0ADE0-0A3F-BB42-8351-F108C052FFE6}" dt="2024-03-06T08:07:15.324" v="24"/>
+          <ac:picMkLst>
+            <pc:docMk/>
+            <pc:sldMk cId="620071850" sldId="269"/>
+            <ac:picMk id="4" creationId="{61B05C8C-8DAF-2A1D-16D4-35AE9F201DC2}"/>
+          </ac:picMkLst>
+        </pc:picChg>
+        <pc:picChg chg="add del mod">
+          <ac:chgData name="ירין לוי" userId="S::yarin.levi4@msmail.ariel.ac.il::8749087e-b536-49b3-b29e-4a7c73d1b748" providerId="AD" clId="Web-{ABA0ADE0-0A3F-BB42-8351-F108C052FFE6}" dt="2024-03-06T08:07:48.575" v="29"/>
+          <ac:picMkLst>
+            <pc:docMk/>
+            <pc:sldMk cId="620071850" sldId="269"/>
+            <ac:picMk id="5" creationId="{1D6BD374-D535-A52B-9EED-DA491174BD6C}"/>
+          </ac:picMkLst>
+        </pc:picChg>
+        <pc:picChg chg="add mod modCrop">
+          <ac:chgData name="ירין לוי" userId="S::yarin.levi4@msmail.ariel.ac.il::8749087e-b536-49b3-b29e-4a7c73d1b748" providerId="AD" clId="Web-{ABA0ADE0-0A3F-BB42-8351-F108C052FFE6}" dt="2024-03-06T08:08:21.091" v="38" actId="1076"/>
+          <ac:picMkLst>
+            <pc:docMk/>
+            <pc:sldMk cId="620071850" sldId="269"/>
+            <ac:picMk id="6" creationId="{68DB997F-71E6-EA2D-601A-CDFC0052C8F1}"/>
+          </ac:picMkLst>
+        </pc:picChg>
+      </pc:sldChg>
+      <pc:sldChg chg="addSp delSp modSp">
+        <pc:chgData name="ירין לוי" userId="S::yarin.levi4@msmail.ariel.ac.il::8749087e-b536-49b3-b29e-4a7c73d1b748" providerId="AD" clId="Web-{ABA0ADE0-0A3F-BB42-8351-F108C052FFE6}" dt="2024-03-06T08:10:33.360" v="67" actId="1076"/>
+        <pc:sldMkLst>
+          <pc:docMk/>
+          <pc:sldMk cId="1611511423" sldId="270"/>
+        </pc:sldMkLst>
+        <pc:spChg chg="mod">
+          <ac:chgData name="ירין לוי" userId="S::yarin.levi4@msmail.ariel.ac.il::8749087e-b536-49b3-b29e-4a7c73d1b748" providerId="AD" clId="Web-{ABA0ADE0-0A3F-BB42-8351-F108C052FFE6}" dt="2024-03-06T08:09:44.594" v="58" actId="20577"/>
+          <ac:spMkLst>
+            <pc:docMk/>
+            <pc:sldMk cId="1611511423" sldId="270"/>
+            <ac:spMk id="2" creationId="{BA46C214-4410-0A29-DAB6-944094139ACB}"/>
+          </ac:spMkLst>
+        </pc:spChg>
+        <pc:spChg chg="del">
+          <ac:chgData name="ירין לוי" userId="S::yarin.levi4@msmail.ariel.ac.il::8749087e-b536-49b3-b29e-4a7c73d1b748" providerId="AD" clId="Web-{ABA0ADE0-0A3F-BB42-8351-F108C052FFE6}" dt="2024-03-06T08:09:09.358" v="49"/>
+          <ac:spMkLst>
+            <pc:docMk/>
+            <pc:sldMk cId="1611511423" sldId="270"/>
+            <ac:spMk id="3" creationId="{B9ABB0FD-A693-357C-6151-98C9B2195DA3}"/>
+          </ac:spMkLst>
+        </pc:spChg>
+        <pc:picChg chg="add mod">
+          <ac:chgData name="ירין לוי" userId="S::yarin.levi4@msmail.ariel.ac.il::8749087e-b536-49b3-b29e-4a7c73d1b748" providerId="AD" clId="Web-{ABA0ADE0-0A3F-BB42-8351-F108C052FFE6}" dt="2024-03-06T08:10:32.235" v="66" actId="1076"/>
+          <ac:picMkLst>
+            <pc:docMk/>
+            <pc:sldMk cId="1611511423" sldId="270"/>
+            <ac:picMk id="4" creationId="{BF53F001-8CB8-4399-4578-2272A5899E75}"/>
+          </ac:picMkLst>
+        </pc:picChg>
+        <pc:picChg chg="add mod">
+          <ac:chgData name="ירין לוי" userId="S::yarin.levi4@msmail.ariel.ac.il::8749087e-b536-49b3-b29e-4a7c73d1b748" providerId="AD" clId="Web-{ABA0ADE0-0A3F-BB42-8351-F108C052FFE6}" dt="2024-03-06T08:10:33.360" v="67" actId="1076"/>
+          <ac:picMkLst>
+            <pc:docMk/>
+            <pc:sldMk cId="1611511423" sldId="270"/>
+            <ac:picMk id="5" creationId="{2D7D738C-3E76-7419-F2FA-FF95E902E312}"/>
+          </ac:picMkLst>
+        </pc:picChg>
+      </pc:sldChg>
+      <pc:sldChg chg="addSp delSp modSp">
+        <pc:chgData name="ירין לוי" userId="S::yarin.levi4@msmail.ariel.ac.il::8749087e-b536-49b3-b29e-4a7c73d1b748" providerId="AD" clId="Web-{ABA0ADE0-0A3F-BB42-8351-F108C052FFE6}" dt="2024-03-06T08:13:42.396" v="125" actId="14100"/>
+        <pc:sldMkLst>
+          <pc:docMk/>
+          <pc:sldMk cId="3981781074" sldId="271"/>
+        </pc:sldMkLst>
+        <pc:spChg chg="mod">
+          <ac:chgData name="ירין לוי" userId="S::yarin.levi4@msmail.ariel.ac.il::8749087e-b536-49b3-b29e-4a7c73d1b748" providerId="AD" clId="Web-{ABA0ADE0-0A3F-BB42-8351-F108C052FFE6}" dt="2024-03-06T08:13:38.803" v="124" actId="1076"/>
+          <ac:spMkLst>
+            <pc:docMk/>
+            <pc:sldMk cId="3981781074" sldId="271"/>
+            <ac:spMk id="2" creationId="{A1944F80-7527-9701-C004-EA1C027C8590}"/>
+          </ac:spMkLst>
+        </pc:spChg>
+        <pc:spChg chg="del">
+          <ac:chgData name="ירין לוי" userId="S::yarin.levi4@msmail.ariel.ac.il::8749087e-b536-49b3-b29e-4a7c73d1b748" providerId="AD" clId="Web-{ABA0ADE0-0A3F-BB42-8351-F108C052FFE6}" dt="2024-03-06T08:11:07.533" v="106"/>
+          <ac:spMkLst>
+            <pc:docMk/>
+            <pc:sldMk cId="3981781074" sldId="271"/>
+            <ac:spMk id="3" creationId="{E3C576D7-0696-D0A0-EE29-9852E00B7CFA}"/>
+          </ac:spMkLst>
+        </pc:spChg>
+        <pc:picChg chg="add mod">
+          <ac:chgData name="ירין לוי" userId="S::yarin.levi4@msmail.ariel.ac.il::8749087e-b536-49b3-b29e-4a7c73d1b748" providerId="AD" clId="Web-{ABA0ADE0-0A3F-BB42-8351-F108C052FFE6}" dt="2024-03-06T08:13:42.396" v="125" actId="14100"/>
+          <ac:picMkLst>
+            <pc:docMk/>
+            <pc:sldMk cId="3981781074" sldId="271"/>
+            <ac:picMk id="4" creationId="{A2232B0C-C5E7-0ADD-83B4-D2C48C1740D3}"/>
+          </ac:picMkLst>
+        </pc:picChg>
+        <pc:picChg chg="add mod">
+          <ac:chgData name="ירין לוי" userId="S::yarin.levi4@msmail.ariel.ac.il::8749087e-b536-49b3-b29e-4a7c73d1b748" providerId="AD" clId="Web-{ABA0ADE0-0A3F-BB42-8351-F108C052FFE6}" dt="2024-03-06T08:13:30.068" v="122" actId="14100"/>
+          <ac:picMkLst>
+            <pc:docMk/>
+            <pc:sldMk cId="3981781074" sldId="271"/>
+            <ac:picMk id="5" creationId="{24DBECD4-924E-3BD3-FDCC-023599D0BE16}"/>
+          </ac:picMkLst>
+        </pc:picChg>
+      </pc:sldChg>
+      <pc:sldChg chg="addSp delSp modSp">
+        <pc:chgData name="ירין לוי" userId="S::yarin.levi4@msmail.ariel.ac.il::8749087e-b536-49b3-b29e-4a7c73d1b748" providerId="AD" clId="Web-{ABA0ADE0-0A3F-BB42-8351-F108C052FFE6}" dt="2024-03-06T08:16:06.416" v="149" actId="1076"/>
+        <pc:sldMkLst>
+          <pc:docMk/>
+          <pc:sldMk cId="1458419256" sldId="272"/>
+        </pc:sldMkLst>
+        <pc:spChg chg="mod">
+          <ac:chgData name="ירין לוי" userId="S::yarin.levi4@msmail.ariel.ac.il::8749087e-b536-49b3-b29e-4a7c73d1b748" providerId="AD" clId="Web-{ABA0ADE0-0A3F-BB42-8351-F108C052FFE6}" dt="2024-03-06T08:15:11.946" v="142" actId="20577"/>
+          <ac:spMkLst>
+            <pc:docMk/>
+            <pc:sldMk cId="1458419256" sldId="272"/>
+            <ac:spMk id="2" creationId="{F1B4D96C-AD6D-B54C-7327-1C3D3E4D2859}"/>
+          </ac:spMkLst>
+        </pc:spChg>
+        <pc:spChg chg="del">
+          <ac:chgData name="ירין לוי" userId="S::yarin.levi4@msmail.ariel.ac.il::8749087e-b536-49b3-b29e-4a7c73d1b748" providerId="AD" clId="Web-{ABA0ADE0-0A3F-BB42-8351-F108C052FFE6}" dt="2024-03-06T08:14:57.461" v="133"/>
+          <ac:spMkLst>
+            <pc:docMk/>
+            <pc:sldMk cId="1458419256" sldId="272"/>
+            <ac:spMk id="3" creationId="{E7320514-BBDD-D683-839D-8C127FB29EE5}"/>
+          </ac:spMkLst>
+        </pc:spChg>
+        <pc:picChg chg="add mod">
+          <ac:chgData name="ירין לוי" userId="S::yarin.levi4@msmail.ariel.ac.il::8749087e-b536-49b3-b29e-4a7c73d1b748" providerId="AD" clId="Web-{ABA0ADE0-0A3F-BB42-8351-F108C052FFE6}" dt="2024-03-06T08:15:23.055" v="143" actId="1076"/>
+          <ac:picMkLst>
+            <pc:docMk/>
+            <pc:sldMk cId="1458419256" sldId="272"/>
+            <ac:picMk id="4" creationId="{440157FC-6250-66B4-C780-1979D12BC24A}"/>
+          </ac:picMkLst>
+        </pc:picChg>
+        <pc:picChg chg="add mod">
+          <ac:chgData name="ירין לוי" userId="S::yarin.levi4@msmail.ariel.ac.il::8749087e-b536-49b3-b29e-4a7c73d1b748" providerId="AD" clId="Web-{ABA0ADE0-0A3F-BB42-8351-F108C052FFE6}" dt="2024-03-06T08:16:06.416" v="149" actId="1076"/>
+          <ac:picMkLst>
+            <pc:docMk/>
+            <pc:sldMk cId="1458419256" sldId="272"/>
+            <ac:picMk id="5" creationId="{A7A9E992-7BE0-3D62-1575-2156B4990E81}"/>
+          </ac:picMkLst>
+        </pc:picChg>
+      </pc:sldChg>
+      <pc:sldChg chg="del">
+        <pc:chgData name="ירין לוי" userId="S::yarin.levi4@msmail.ariel.ac.il::8749087e-b536-49b3-b29e-4a7c73d1b748" providerId="AD" clId="Web-{ABA0ADE0-0A3F-BB42-8351-F108C052FFE6}" dt="2024-03-06T08:18:39.014" v="151"/>
+        <pc:sldMkLst>
+          <pc:docMk/>
+          <pc:sldMk cId="2612686571" sldId="273"/>
+        </pc:sldMkLst>
+      </pc:sldChg>
+      <pc:sldChg chg="del">
+        <pc:chgData name="ירין לוי" userId="S::yarin.levi4@msmail.ariel.ac.il::8749087e-b536-49b3-b29e-4a7c73d1b748" providerId="AD" clId="Web-{ABA0ADE0-0A3F-BB42-8351-F108C052FFE6}" dt="2024-03-06T08:18:39.779" v="152"/>
+        <pc:sldMkLst>
+          <pc:docMk/>
+          <pc:sldMk cId="4261369818" sldId="274"/>
+        </pc:sldMkLst>
+      </pc:sldChg>
+      <pc:sldChg chg="del">
+        <pc:chgData name="ירין לוי" userId="S::yarin.levi4@msmail.ariel.ac.il::8749087e-b536-49b3-b29e-4a7c73d1b748" providerId="AD" clId="Web-{ABA0ADE0-0A3F-BB42-8351-F108C052FFE6}" dt="2024-03-06T08:18:41.170" v="153"/>
+        <pc:sldMkLst>
+          <pc:docMk/>
+          <pc:sldMk cId="463245001" sldId="275"/>
+        </pc:sldMkLst>
+      </pc:sldChg>
+      <pc:sldChg chg="del">
+        <pc:chgData name="ירין לוי" userId="S::yarin.levi4@msmail.ariel.ac.il::8749087e-b536-49b3-b29e-4a7c73d1b748" providerId="AD" clId="Web-{ABA0ADE0-0A3F-BB42-8351-F108C052FFE6}" dt="2024-03-06T08:18:42.451" v="154"/>
+        <pc:sldMkLst>
+          <pc:docMk/>
+          <pc:sldMk cId="2919540201" sldId="276"/>
+        </pc:sldMkLst>
+      </pc:sldChg>
+    </pc:docChg>
+  </pc:docChgLst>
+  <pc:docChgLst>
+    <pc:chgData name="לידור קרן ישועה" userId="53116a03-9af0-4401-96af-a8e3350b0472" providerId="ADAL" clId="{3A9CBE6B-853A-4093-ABDA-488819ACB84E}"/>
+    <pc:docChg chg="undo custSel addSld delSld modSld">
+      <pc:chgData name="לידור קרן ישועה" userId="53116a03-9af0-4401-96af-a8e3350b0472" providerId="ADAL" clId="{3A9CBE6B-853A-4093-ABDA-488819ACB84E}" dt="2024-03-06T08:31:46.028" v="105" actId="20577"/>
+      <pc:docMkLst>
+        <pc:docMk/>
+      </pc:docMkLst>
+      <pc:sldChg chg="modSp mod">
+        <pc:chgData name="לידור קרן ישועה" userId="53116a03-9af0-4401-96af-a8e3350b0472" providerId="ADAL" clId="{3A9CBE6B-853A-4093-ABDA-488819ACB84E}" dt="2024-03-06T08:13:22.700" v="101" actId="20577"/>
+        <pc:sldMkLst>
+          <pc:docMk/>
+          <pc:sldMk cId="640298149" sldId="258"/>
+        </pc:sldMkLst>
+        <pc:spChg chg="mod">
+          <ac:chgData name="לידור קרן ישועה" userId="53116a03-9af0-4401-96af-a8e3350b0472" providerId="ADAL" clId="{3A9CBE6B-853A-4093-ABDA-488819ACB84E}" dt="2024-03-06T08:13:22.700" v="101" actId="20577"/>
+          <ac:spMkLst>
+            <pc:docMk/>
+            <pc:sldMk cId="640298149" sldId="258"/>
+            <ac:spMk id="3" creationId="{27BC4267-2117-0380-A10A-E7FB40FDF968}"/>
+          </ac:spMkLst>
+        </pc:spChg>
+      </pc:sldChg>
+      <pc:sldChg chg="modSp mod">
+        <pc:chgData name="לידור קרן ישועה" userId="53116a03-9af0-4401-96af-a8e3350b0472" providerId="ADAL" clId="{3A9CBE6B-853A-4093-ABDA-488819ACB84E}" dt="2024-03-06T08:16:20.246" v="104" actId="20577"/>
+        <pc:sldMkLst>
+          <pc:docMk/>
+          <pc:sldMk cId="1899625193" sldId="259"/>
+        </pc:sldMkLst>
+        <pc:spChg chg="mod">
+          <ac:chgData name="לידור קרן ישועה" userId="53116a03-9af0-4401-96af-a8e3350b0472" providerId="ADAL" clId="{3A9CBE6B-853A-4093-ABDA-488819ACB84E}" dt="2024-03-06T08:16:20.246" v="104" actId="20577"/>
+          <ac:spMkLst>
+            <pc:docMk/>
+            <pc:sldMk cId="1899625193" sldId="259"/>
+            <ac:spMk id="3" creationId="{449B4012-D169-7A01-34FC-C96CEB0E0C3A}"/>
+          </ac:spMkLst>
+        </pc:spChg>
+      </pc:sldChg>
+      <pc:sldChg chg="modSp mod">
+        <pc:chgData name="לידור קרן ישועה" userId="53116a03-9af0-4401-96af-a8e3350b0472" providerId="ADAL" clId="{3A9CBE6B-853A-4093-ABDA-488819ACB84E}" dt="2024-03-06T08:31:46.028" v="105" actId="20577"/>
+        <pc:sldMkLst>
+          <pc:docMk/>
+          <pc:sldMk cId="3887342316" sldId="260"/>
+        </pc:sldMkLst>
+        <pc:spChg chg="mod">
+          <ac:chgData name="לידור קרן ישועה" userId="53116a03-9af0-4401-96af-a8e3350b0472" providerId="ADAL" clId="{3A9CBE6B-853A-4093-ABDA-488819ACB84E}" dt="2024-03-06T08:31:46.028" v="105" actId="20577"/>
+          <ac:spMkLst>
+            <pc:docMk/>
+            <pc:sldMk cId="3887342316" sldId="260"/>
+            <ac:spMk id="3" creationId="{78F7A7FD-2D6C-7E07-223B-F8EB22F3386E}"/>
+          </ac:spMkLst>
+        </pc:spChg>
+      </pc:sldChg>
+      <pc:sldChg chg="addSp modSp mod">
+        <pc:chgData name="לידור קרן ישועה" userId="53116a03-9af0-4401-96af-a8e3350b0472" providerId="ADAL" clId="{3A9CBE6B-853A-4093-ABDA-488819ACB84E}" dt="2024-03-06T07:53:03.931" v="15" actId="1076"/>
+        <pc:sldMkLst>
+          <pc:docMk/>
+          <pc:sldMk cId="663225751" sldId="263"/>
+        </pc:sldMkLst>
+        <pc:spChg chg="add mod">
+          <ac:chgData name="לידור קרן ישועה" userId="53116a03-9af0-4401-96af-a8e3350b0472" providerId="ADAL" clId="{3A9CBE6B-853A-4093-ABDA-488819ACB84E}" dt="2024-03-06T07:53:03.931" v="15" actId="1076"/>
+          <ac:spMkLst>
+            <pc:docMk/>
+            <pc:sldMk cId="663225751" sldId="263"/>
+            <ac:spMk id="3" creationId="{FF9B3B9D-4EF4-B058-ED29-21943E280056}"/>
+          </ac:spMkLst>
+        </pc:spChg>
+        <pc:picChg chg="mod">
+          <ac:chgData name="לידור קרן ישועה" userId="53116a03-9af0-4401-96af-a8e3350b0472" providerId="ADAL" clId="{3A9CBE6B-853A-4093-ABDA-488819ACB84E}" dt="2024-03-06T07:48:14.600" v="3" actId="1076"/>
+          <ac:picMkLst>
+            <pc:docMk/>
+            <pc:sldMk cId="663225751" sldId="263"/>
+            <ac:picMk id="4" creationId="{BEC70BB0-C41A-CB1E-0A0B-1CD6D8661CF2}"/>
+          </ac:picMkLst>
+        </pc:picChg>
+      </pc:sldChg>
+      <pc:sldChg chg="new">
+        <pc:chgData name="לידור קרן ישועה" userId="53116a03-9af0-4401-96af-a8e3350b0472" providerId="ADAL" clId="{3A9CBE6B-853A-4093-ABDA-488819ACB84E}" dt="2024-03-06T08:01:22.339" v="47" actId="680"/>
+        <pc:sldMkLst>
+          <pc:docMk/>
+          <pc:sldMk cId="620071850" sldId="269"/>
+        </pc:sldMkLst>
+      </pc:sldChg>
+      <pc:sldChg chg="addSp delSp modSp new del mod">
+        <pc:chgData name="לידור קרן ישועה" userId="53116a03-9af0-4401-96af-a8e3350b0472" providerId="ADAL" clId="{3A9CBE6B-853A-4093-ABDA-488819ACB84E}" dt="2024-03-06T08:00:02.279" v="46" actId="47"/>
+        <pc:sldMkLst>
+          <pc:docMk/>
+          <pc:sldMk cId="1715807686" sldId="269"/>
+        </pc:sldMkLst>
+        <pc:spChg chg="mod">
+          <ac:chgData name="לידור קרן ישועה" userId="53116a03-9af0-4401-96af-a8e3350b0472" providerId="ADAL" clId="{3A9CBE6B-853A-4093-ABDA-488819ACB84E}" dt="2024-03-06T07:59:10.650" v="45" actId="5793"/>
+          <ac:spMkLst>
+            <pc:docMk/>
+            <pc:sldMk cId="1715807686" sldId="269"/>
+            <ac:spMk id="2" creationId="{D5A78696-6BF9-DC05-E1AA-2479D16910D3}"/>
+          </ac:spMkLst>
+        </pc:spChg>
+        <pc:spChg chg="del">
+          <ac:chgData name="לידור קרן ישועה" userId="53116a03-9af0-4401-96af-a8e3350b0472" providerId="ADAL" clId="{3A9CBE6B-853A-4093-ABDA-488819ACB84E}" dt="2024-03-06T07:57:39.032" v="34"/>
+          <ac:spMkLst>
+            <pc:docMk/>
+            <pc:sldMk cId="1715807686" sldId="269"/>
+            <ac:spMk id="3" creationId="{1C24E847-AE43-47A6-B052-2497130797C8}"/>
+          </ac:spMkLst>
+        </pc:spChg>
+        <pc:picChg chg="add mod">
+          <ac:chgData name="לידור קרן ישועה" userId="53116a03-9af0-4401-96af-a8e3350b0472" providerId="ADAL" clId="{3A9CBE6B-853A-4093-ABDA-488819ACB84E}" dt="2024-03-06T07:57:54.312" v="36" actId="14100"/>
+          <ac:picMkLst>
+            <pc:docMk/>
+            <pc:sldMk cId="1715807686" sldId="269"/>
+            <ac:picMk id="4" creationId="{8CE40B19-FC77-DA5F-1AFA-60673A8D3A46}"/>
+          </ac:picMkLst>
+        </pc:picChg>
+      </pc:sldChg>
+      <pc:sldChg chg="add">
+        <pc:chgData name="לידור קרן ישועה" userId="53116a03-9af0-4401-96af-a8e3350b0472" providerId="ADAL" clId="{3A9CBE6B-853A-4093-ABDA-488819ACB84E}" dt="2024-03-06T08:01:24.469" v="48"/>
+        <pc:sldMkLst>
+          <pc:docMk/>
+          <pc:sldMk cId="1611511423" sldId="270"/>
+        </pc:sldMkLst>
+      </pc:sldChg>
+      <pc:sldChg chg="add">
+        <pc:chgData name="לידור קרן ישועה" userId="53116a03-9af0-4401-96af-a8e3350b0472" providerId="ADAL" clId="{3A9CBE6B-853A-4093-ABDA-488819ACB84E}" dt="2024-03-06T08:01:24.644" v="49"/>
+        <pc:sldMkLst>
+          <pc:docMk/>
+          <pc:sldMk cId="3981781074" sldId="271"/>
+        </pc:sldMkLst>
+      </pc:sldChg>
+      <pc:sldChg chg="add">
+        <pc:chgData name="לידור קרן ישועה" userId="53116a03-9af0-4401-96af-a8e3350b0472" providerId="ADAL" clId="{3A9CBE6B-853A-4093-ABDA-488819ACB84E}" dt="2024-03-06T08:01:24.818" v="50"/>
+        <pc:sldMkLst>
+          <pc:docMk/>
+          <pc:sldMk cId="1458419256" sldId="272"/>
+        </pc:sldMkLst>
+      </pc:sldChg>
+      <pc:sldChg chg="add">
+        <pc:chgData name="לידור קרן ישועה" userId="53116a03-9af0-4401-96af-a8e3350b0472" providerId="ADAL" clId="{3A9CBE6B-853A-4093-ABDA-488819ACB84E}" dt="2024-03-06T08:01:25.010" v="51"/>
+        <pc:sldMkLst>
+          <pc:docMk/>
+          <pc:sldMk cId="2612686571" sldId="273"/>
+        </pc:sldMkLst>
+      </pc:sldChg>
+      <pc:sldChg chg="add">
+        <pc:chgData name="לידור קרן ישועה" userId="53116a03-9af0-4401-96af-a8e3350b0472" providerId="ADAL" clId="{3A9CBE6B-853A-4093-ABDA-488819ACB84E}" dt="2024-03-06T08:01:25.111" v="52"/>
+        <pc:sldMkLst>
+          <pc:docMk/>
+          <pc:sldMk cId="4261369818" sldId="274"/>
+        </pc:sldMkLst>
+      </pc:sldChg>
+      <pc:sldChg chg="add">
+        <pc:chgData name="לידור קרן ישועה" userId="53116a03-9af0-4401-96af-a8e3350b0472" providerId="ADAL" clId="{3A9CBE6B-853A-4093-ABDA-488819ACB84E}" dt="2024-03-06T08:01:26.031" v="53"/>
+        <pc:sldMkLst>
+          <pc:docMk/>
+          <pc:sldMk cId="463245001" sldId="275"/>
+        </pc:sldMkLst>
+      </pc:sldChg>
+      <pc:sldChg chg="add">
+        <pc:chgData name="לידור קרן ישועה" userId="53116a03-9af0-4401-96af-a8e3350b0472" providerId="ADAL" clId="{3A9CBE6B-853A-4093-ABDA-488819ACB84E}" dt="2024-03-06T08:01:26.171" v="54"/>
+        <pc:sldMkLst>
+          <pc:docMk/>
+          <pc:sldMk cId="2919540201" sldId="276"/>
+        </pc:sldMkLst>
+      </pc:sldChg>
+    </pc:docChg>
+  </pc:docChgLst>
   <pc:docChgLst>
     <pc:chgData name="לידור קרן ישועה" userId="53116a03-9af0-4401-96af-a8e3350b0472" providerId="ADAL" clId="{B928E855-782A-4157-B085-DAF2BB8015F1}"/>
     <pc:docChg chg="undo custSel addSld delSld modSld sldOrd">
@@ -499,14 +876,14 @@
     </pc:docChg>
   </pc:docChgLst>
   <pc:docChgLst>
-    <pc:chgData name="לידור קרן ישועה" userId="53116a03-9af0-4401-96af-a8e3350b0472" providerId="ADAL" clId="{BC1BE812-98D2-41FD-BFE8-18FA059B2060}"/>
+    <pc:chgData name="לידור קרן ישועה" userId="53116a03-9af0-4401-96af-a8e3350b0472" providerId="ADAL" clId="{AA67BF74-13E1-417B-8D37-61A460664185}"/>
     <pc:docChg chg="delSld">
-      <pc:chgData name="לידור קרן ישועה" userId="53116a03-9af0-4401-96af-a8e3350b0472" providerId="ADAL" clId="{BC1BE812-98D2-41FD-BFE8-18FA059B2060}" dt="2024-03-04T10:16:56.927" v="0" actId="47"/>
+      <pc:chgData name="לידור קרן ישועה" userId="53116a03-9af0-4401-96af-a8e3350b0472" providerId="ADAL" clId="{AA67BF74-13E1-417B-8D37-61A460664185}" dt="2024-03-06T08:56:38.003" v="0" actId="47"/>
       <pc:docMkLst>
         <pc:docMk/>
       </pc:docMkLst>
       <pc:sldChg chg="del">
-        <pc:chgData name="לידור קרן ישועה" userId="53116a03-9af0-4401-96af-a8e3350b0472" providerId="ADAL" clId="{BC1BE812-98D2-41FD-BFE8-18FA059B2060}" dt="2024-03-04T10:16:56.927" v="0" actId="47"/>
+        <pc:chgData name="לידור קרן ישועה" userId="53116a03-9af0-4401-96af-a8e3350b0472" providerId="ADAL" clId="{AA67BF74-13E1-417B-8D37-61A460664185}" dt="2024-03-06T08:56:38.003" v="0" actId="47"/>
         <pc:sldMkLst>
           <pc:docMk/>
           <pc:sldMk cId="351458589" sldId="268"/>
@@ -666,7 +1043,7 @@
           <a:p>
             <a:fld id="{45EFFA75-9949-422D-A157-4EA088D493A1}" type="datetimeFigureOut">
               <a:rPr lang="en-IL" smtClean="0"/>
-              <a:t>03/04/2024</a:t>
+              <a:t>03/06/2024</a:t>
             </a:fld>
             <a:endParaRPr lang="en-IL"/>
           </a:p>
@@ -866,7 +1243,7 @@
           <a:p>
             <a:fld id="{45EFFA75-9949-422D-A157-4EA088D493A1}" type="datetimeFigureOut">
               <a:rPr lang="en-IL" smtClean="0"/>
-              <a:t>03/04/2024</a:t>
+              <a:t>03/06/2024</a:t>
             </a:fld>
             <a:endParaRPr lang="en-IL"/>
           </a:p>
@@ -1076,7 +1453,7 @@
           <a:p>
             <a:fld id="{45EFFA75-9949-422D-A157-4EA088D493A1}" type="datetimeFigureOut">
               <a:rPr lang="en-IL" smtClean="0"/>
-              <a:t>03/04/2024</a:t>
+              <a:t>03/06/2024</a:t>
             </a:fld>
             <a:endParaRPr lang="en-IL"/>
           </a:p>
@@ -1276,7 +1653,7 @@
           <a:p>
             <a:fld id="{45EFFA75-9949-422D-A157-4EA088D493A1}" type="datetimeFigureOut">
               <a:rPr lang="en-IL" smtClean="0"/>
-              <a:t>03/04/2024</a:t>
+              <a:t>03/06/2024</a:t>
             </a:fld>
             <a:endParaRPr lang="en-IL"/>
           </a:p>
@@ -1552,7 +1929,7 @@
           <a:p>
             <a:fld id="{45EFFA75-9949-422D-A157-4EA088D493A1}" type="datetimeFigureOut">
               <a:rPr lang="en-IL" smtClean="0"/>
-              <a:t>03/04/2024</a:t>
+              <a:t>03/06/2024</a:t>
             </a:fld>
             <a:endParaRPr lang="en-IL"/>
           </a:p>
@@ -1820,7 +2197,7 @@
           <a:p>
             <a:fld id="{45EFFA75-9949-422D-A157-4EA088D493A1}" type="datetimeFigureOut">
               <a:rPr lang="en-IL" smtClean="0"/>
-              <a:t>03/04/2024</a:t>
+              <a:t>03/06/2024</a:t>
             </a:fld>
             <a:endParaRPr lang="en-IL"/>
           </a:p>
@@ -2235,7 +2612,7 @@
           <a:p>
             <a:fld id="{45EFFA75-9949-422D-A157-4EA088D493A1}" type="datetimeFigureOut">
               <a:rPr lang="en-IL" smtClean="0"/>
-              <a:t>03/04/2024</a:t>
+              <a:t>03/06/2024</a:t>
             </a:fld>
             <a:endParaRPr lang="en-IL"/>
           </a:p>
@@ -2377,7 +2754,7 @@
           <a:p>
             <a:fld id="{45EFFA75-9949-422D-A157-4EA088D493A1}" type="datetimeFigureOut">
               <a:rPr lang="en-IL" smtClean="0"/>
-              <a:t>03/04/2024</a:t>
+              <a:t>03/06/2024</a:t>
             </a:fld>
             <a:endParaRPr lang="en-IL"/>
           </a:p>
@@ -2490,7 +2867,7 @@
           <a:p>
             <a:fld id="{45EFFA75-9949-422D-A157-4EA088D493A1}" type="datetimeFigureOut">
               <a:rPr lang="en-IL" smtClean="0"/>
-              <a:t>03/04/2024</a:t>
+              <a:t>03/06/2024</a:t>
             </a:fld>
             <a:endParaRPr lang="en-IL"/>
           </a:p>
@@ -2803,7 +3180,7 @@
           <a:p>
             <a:fld id="{45EFFA75-9949-422D-A157-4EA088D493A1}" type="datetimeFigureOut">
               <a:rPr lang="en-IL" smtClean="0"/>
-              <a:t>03/04/2024</a:t>
+              <a:t>03/06/2024</a:t>
             </a:fld>
             <a:endParaRPr lang="en-IL"/>
           </a:p>
@@ -3092,7 +3469,7 @@
           <a:p>
             <a:fld id="{45EFFA75-9949-422D-A157-4EA088D493A1}" type="datetimeFigureOut">
               <a:rPr lang="en-IL" smtClean="0"/>
-              <a:t>03/04/2024</a:t>
+              <a:t>03/06/2024</a:t>
             </a:fld>
             <a:endParaRPr lang="en-IL"/>
           </a:p>
@@ -3338,7 +3715,7 @@
           <a:p>
             <a:fld id="{45EFFA75-9949-422D-A157-4EA088D493A1}" type="datetimeFigureOut">
               <a:rPr lang="en-IL" smtClean="0"/>
-              <a:t>03/04/2024</a:t>
+              <a:t>03/06/2024</a:t>
             </a:fld>
             <a:endParaRPr lang="en-IL"/>
           </a:p>
@@ -3782,7 +4159,7 @@
           <a:lstStyle/>
           <a:p>
             <a:r>
-              <a:rPr lang="en-US" dirty="0" err="1">
+              <a:rPr lang="en-US" err="1">
                 <a:solidFill>
                   <a:srgbClr val="0D47A1"/>
                 </a:solidFill>
@@ -3790,7 +4167,7 @@
               </a:rPr>
               <a:t>MyHealth</a:t>
             </a:r>
-            <a:endParaRPr lang="en-IL" dirty="0">
+            <a:endParaRPr lang="en-IL">
               <a:solidFill>
                 <a:srgbClr val="0D47A1"/>
               </a:solidFill>
@@ -3828,7 +4205,7 @@
           <a:lstStyle/>
           <a:p>
             <a:r>
-              <a:rPr lang="he-IL" dirty="0">
+              <a:rPr lang="he-IL">
                 <a:solidFill>
                   <a:srgbClr val="0D47A1"/>
                 </a:solidFill>
@@ -3839,7 +4216,7 @@
           <a:p>
             <a:pPr rtl="1"/>
             <a:r>
-              <a:rPr lang="he-IL" dirty="0">
+              <a:rPr lang="he-IL">
                 <a:solidFill>
                   <a:srgbClr val="0D47A1"/>
                 </a:solidFill>
@@ -3850,14 +4227,14 @@
           <a:p>
             <a:pPr rtl="1"/>
             <a:r>
-              <a:rPr lang="he-IL" dirty="0">
+              <a:rPr lang="he-IL">
                 <a:solidFill>
                   <a:srgbClr val="0D47A1"/>
                 </a:solidFill>
               </a:rPr>
               <a:t>ירין לוי (213907421)</a:t>
             </a:r>
-            <a:endParaRPr lang="en-US" dirty="0">
+            <a:endParaRPr lang="en-US">
               <a:solidFill>
                 <a:srgbClr val="0D47A1"/>
               </a:solidFill>
@@ -3866,14 +4243,14 @@
           <a:p>
             <a:pPr rtl="1"/>
             <a:r>
-              <a:rPr lang="he-IL" dirty="0">
+              <a:rPr lang="he-IL">
                 <a:solidFill>
                   <a:srgbClr val="0D47A1"/>
                 </a:solidFill>
               </a:rPr>
               <a:t>גל בן שטרית (314239714)</a:t>
             </a:r>
-            <a:endParaRPr lang="en-IL" dirty="0">
+            <a:endParaRPr lang="en-IL">
               <a:solidFill>
                 <a:srgbClr val="0D47A1"/>
               </a:solidFill>
@@ -3975,14 +4352,14 @@
           <a:lstStyle/>
           <a:p>
             <a:r>
-              <a:rPr lang="en-US" dirty="0">
+              <a:rPr lang="en-US">
                 <a:solidFill>
                   <a:srgbClr val="0D47A1"/>
                 </a:solidFill>
               </a:rPr>
               <a:t>DB Architecture</a:t>
             </a:r>
-            <a:endParaRPr lang="he-IL" dirty="0">
+            <a:endParaRPr lang="he-IL">
               <a:solidFill>
                 <a:srgbClr val="0D47A1"/>
               </a:solidFill>
@@ -4032,6 +4409,611 @@
 </p:sld>
 </file>
 
+<file path=ppt/slides/slide11.xml><?xml version="1.0" encoding="utf-8"?>
+<p:sld xmlns:a="http://schemas.openxmlformats.org/drawingml/2006/main" xmlns:r="http://schemas.openxmlformats.org/officeDocument/2006/relationships" xmlns:p="http://schemas.openxmlformats.org/presentationml/2006/main">
+  <p:cSld>
+    <p:spTree>
+      <p:nvGrpSpPr>
+        <p:cNvPr id="1" name=""/>
+        <p:cNvGrpSpPr/>
+        <p:nvPr/>
+      </p:nvGrpSpPr>
+      <p:grpSpPr>
+        <a:xfrm>
+          <a:off x="0" y="0"/>
+          <a:ext cx="0" cy="0"/>
+          <a:chOff x="0" y="0"/>
+          <a:chExt cx="0" cy="0"/>
+        </a:xfrm>
+      </p:grpSpPr>
+      <p:sp>
+        <p:nvSpPr>
+          <p:cNvPr id="2" name="Title 1">
+            <a:extLst>
+              <a:ext uri="{FF2B5EF4-FFF2-40B4-BE49-F238E27FC236}">
+                <a16:creationId xmlns:a16="http://schemas.microsoft.com/office/drawing/2014/main" id="{22B1E9E0-5EC5-9CCC-9994-E34DFDF891B8}"/>
+              </a:ext>
+            </a:extLst>
+          </p:cNvPr>
+          <p:cNvSpPr>
+            <a:spLocks noGrp="1"/>
+          </p:cNvSpPr>
+          <p:nvPr>
+            <p:ph type="title"/>
+          </p:nvPr>
+        </p:nvSpPr>
+        <p:spPr>
+          <a:xfrm>
+            <a:off x="1072662" y="72048"/>
+            <a:ext cx="10046677" cy="1184887"/>
+          </a:xfrm>
+        </p:spPr>
+        <p:txBody>
+          <a:bodyPr/>
+          <a:lstStyle/>
+          <a:p>
+            <a:pPr algn="ctr"/>
+            <a:r>
+              <a:rPr lang="he-IL" err="1">
+                <a:solidFill>
+                  <a:srgbClr val="0D47A1"/>
+                </a:solidFill>
+                <a:cs typeface="Times New Roman"/>
+              </a:rPr>
+              <a:t>Main</a:t>
+            </a:r>
+            <a:r>
+              <a:rPr lang="he-IL">
+                <a:solidFill>
+                  <a:srgbClr val="0D47A1"/>
+                </a:solidFill>
+                <a:cs typeface="Times New Roman"/>
+              </a:rPr>
+              <a:t> </a:t>
+            </a:r>
+            <a:r>
+              <a:rPr lang="he-IL" err="1">
+                <a:solidFill>
+                  <a:srgbClr val="0D47A1"/>
+                </a:solidFill>
+                <a:cs typeface="Times New Roman"/>
+              </a:rPr>
+              <a:t>Page</a:t>
+            </a:r>
+          </a:p>
+        </p:txBody>
+      </p:sp>
+      <p:pic>
+        <p:nvPicPr>
+          <p:cNvPr id="6" name="Picture 5" descr="A screen shot of a phone&#10;&#10;Description automatically generated">
+            <a:extLst>
+              <a:ext uri="{FF2B5EF4-FFF2-40B4-BE49-F238E27FC236}">
+                <a16:creationId xmlns:a16="http://schemas.microsoft.com/office/drawing/2014/main" id="{68DB997F-71E6-EA2D-601A-CDFC0052C8F1}"/>
+              </a:ext>
+            </a:extLst>
+          </p:cNvPr>
+          <p:cNvPicPr>
+            <a:picLocks noChangeAspect="1"/>
+          </p:cNvPicPr>
+          <p:nvPr/>
+        </p:nvPicPr>
+        <p:blipFill rotWithShape="1">
+          <a:blip r:embed="rId2"/>
+          <a:srcRect r="2867"/>
+          <a:stretch/>
+        </p:blipFill>
+        <p:spPr>
+          <a:xfrm>
+            <a:off x="4827145" y="1359878"/>
+            <a:ext cx="2549614" cy="5498124"/>
+          </a:xfrm>
+          <a:prstGeom prst="rect">
+            <a:avLst/>
+          </a:prstGeom>
+        </p:spPr>
+      </p:pic>
+    </p:spTree>
+    <p:extLst>
+      <p:ext uri="{BB962C8B-B14F-4D97-AF65-F5344CB8AC3E}">
+        <p14:creationId xmlns:p14="http://schemas.microsoft.com/office/powerpoint/2010/main" val="620071850"/>
+      </p:ext>
+    </p:extLst>
+  </p:cSld>
+  <p:clrMapOvr>
+    <a:masterClrMapping/>
+  </p:clrMapOvr>
+</p:sld>
+</file>
+
+<file path=ppt/slides/slide12.xml><?xml version="1.0" encoding="utf-8"?>
+<p:sld xmlns:a="http://schemas.openxmlformats.org/drawingml/2006/main" xmlns:r="http://schemas.openxmlformats.org/officeDocument/2006/relationships" xmlns:p="http://schemas.openxmlformats.org/presentationml/2006/main">
+  <p:cSld>
+    <p:spTree>
+      <p:nvGrpSpPr>
+        <p:cNvPr id="1" name="">
+          <a:extLst>
+            <a:ext uri="{FF2B5EF4-FFF2-40B4-BE49-F238E27FC236}">
+              <a16:creationId xmlns:a16="http://schemas.microsoft.com/office/drawing/2014/main" id="{70A42787-DAF9-AE81-1426-5B805BE5C127}"/>
+            </a:ext>
+          </a:extLst>
+        </p:cNvPr>
+        <p:cNvGrpSpPr/>
+        <p:nvPr/>
+      </p:nvGrpSpPr>
+      <p:grpSpPr>
+        <a:xfrm>
+          <a:off x="0" y="0"/>
+          <a:ext cx="0" cy="0"/>
+          <a:chOff x="0" y="0"/>
+          <a:chExt cx="0" cy="0"/>
+        </a:xfrm>
+      </p:grpSpPr>
+      <p:sp>
+        <p:nvSpPr>
+          <p:cNvPr id="2" name="Title 1">
+            <a:extLst>
+              <a:ext uri="{FF2B5EF4-FFF2-40B4-BE49-F238E27FC236}">
+                <a16:creationId xmlns:a16="http://schemas.microsoft.com/office/drawing/2014/main" id="{BA46C214-4410-0A29-DAB6-944094139ACB}"/>
+              </a:ext>
+            </a:extLst>
+          </p:cNvPr>
+          <p:cNvSpPr>
+            <a:spLocks noGrp="1"/>
+          </p:cNvSpPr>
+          <p:nvPr>
+            <p:ph type="title"/>
+          </p:nvPr>
+        </p:nvSpPr>
+        <p:spPr>
+          <a:xfrm>
+            <a:off x="838200" y="177556"/>
+            <a:ext cx="10515600" cy="1325563"/>
+          </a:xfrm>
+        </p:spPr>
+        <p:txBody>
+          <a:bodyPr/>
+          <a:lstStyle/>
+          <a:p>
+            <a:pPr algn="ctr"/>
+            <a:r>
+              <a:rPr lang="he-IL" err="1">
+                <a:solidFill>
+                  <a:srgbClr val="0D47A1"/>
+                </a:solidFill>
+                <a:cs typeface="Times New Roman"/>
+              </a:rPr>
+              <a:t>Login</a:t>
+            </a:r>
+            <a:r>
+              <a:rPr lang="he-IL">
+                <a:solidFill>
+                  <a:srgbClr val="0D47A1"/>
+                </a:solidFill>
+                <a:cs typeface="Times New Roman"/>
+              </a:rPr>
+              <a:t> &amp; </a:t>
+            </a:r>
+            <a:r>
+              <a:rPr lang="he-IL" err="1">
+                <a:solidFill>
+                  <a:srgbClr val="0D47A1"/>
+                </a:solidFill>
+                <a:cs typeface="Times New Roman"/>
+              </a:rPr>
+              <a:t>Signup</a:t>
+            </a:r>
+            <a:endParaRPr lang="he-IL">
+              <a:solidFill>
+                <a:srgbClr val="0D47A1"/>
+              </a:solidFill>
+              <a:cs typeface="Times New Roman"/>
+            </a:endParaRPr>
+          </a:p>
+        </p:txBody>
+      </p:sp>
+      <p:pic>
+        <p:nvPicPr>
+          <p:cNvPr id="4" name="Picture 3" descr="A screen shot of a phone&#10;&#10;Description automatically generated">
+            <a:extLst>
+              <a:ext uri="{FF2B5EF4-FFF2-40B4-BE49-F238E27FC236}">
+                <a16:creationId xmlns:a16="http://schemas.microsoft.com/office/drawing/2014/main" id="{BF53F001-8CB8-4399-4578-2272A5899E75}"/>
+              </a:ext>
+            </a:extLst>
+          </p:cNvPr>
+          <p:cNvPicPr>
+            <a:picLocks noChangeAspect="1"/>
+          </p:cNvPicPr>
+          <p:nvPr/>
+        </p:nvPicPr>
+        <p:blipFill>
+          <a:blip r:embed="rId2"/>
+          <a:stretch>
+            <a:fillRect/>
+          </a:stretch>
+        </p:blipFill>
+        <p:spPr>
+          <a:xfrm>
+            <a:off x="2643532" y="1500555"/>
+            <a:ext cx="2450167" cy="5369170"/>
+          </a:xfrm>
+          <a:prstGeom prst="rect">
+            <a:avLst/>
+          </a:prstGeom>
+        </p:spPr>
+      </p:pic>
+      <p:pic>
+        <p:nvPicPr>
+          <p:cNvPr id="5" name="Picture 4" descr="A screen shot of a phone&#10;&#10;Description automatically generated">
+            <a:extLst>
+              <a:ext uri="{FF2B5EF4-FFF2-40B4-BE49-F238E27FC236}">
+                <a16:creationId xmlns:a16="http://schemas.microsoft.com/office/drawing/2014/main" id="{2D7D738C-3E76-7419-F2FA-FF95E902E312}"/>
+              </a:ext>
+            </a:extLst>
+          </p:cNvPr>
+          <p:cNvPicPr>
+            <a:picLocks noChangeAspect="1"/>
+          </p:cNvPicPr>
+          <p:nvPr/>
+        </p:nvPicPr>
+        <p:blipFill>
+          <a:blip r:embed="rId3"/>
+          <a:stretch>
+            <a:fillRect/>
+          </a:stretch>
+        </p:blipFill>
+        <p:spPr>
+          <a:xfrm>
+            <a:off x="6892185" y="1500554"/>
+            <a:ext cx="2463815" cy="5369170"/>
+          </a:xfrm>
+          <a:prstGeom prst="rect">
+            <a:avLst/>
+          </a:prstGeom>
+        </p:spPr>
+      </p:pic>
+    </p:spTree>
+    <p:extLst>
+      <p:ext uri="{BB962C8B-B14F-4D97-AF65-F5344CB8AC3E}">
+        <p14:creationId xmlns:p14="http://schemas.microsoft.com/office/powerpoint/2010/main" val="1611511423"/>
+      </p:ext>
+    </p:extLst>
+  </p:cSld>
+  <p:clrMapOvr>
+    <a:masterClrMapping/>
+  </p:clrMapOvr>
+</p:sld>
+</file>
+
+<file path=ppt/slides/slide13.xml><?xml version="1.0" encoding="utf-8"?>
+<p:sld xmlns:a="http://schemas.openxmlformats.org/drawingml/2006/main" xmlns:r="http://schemas.openxmlformats.org/officeDocument/2006/relationships" xmlns:p="http://schemas.openxmlformats.org/presentationml/2006/main">
+  <p:cSld>
+    <p:spTree>
+      <p:nvGrpSpPr>
+        <p:cNvPr id="1" name="">
+          <a:extLst>
+            <a:ext uri="{FF2B5EF4-FFF2-40B4-BE49-F238E27FC236}">
+              <a16:creationId xmlns:a16="http://schemas.microsoft.com/office/drawing/2014/main" id="{8F4184B9-DBA8-DC9B-AA8B-B03EB0BE32CD}"/>
+            </a:ext>
+          </a:extLst>
+        </p:cNvPr>
+        <p:cNvGrpSpPr/>
+        <p:nvPr/>
+      </p:nvGrpSpPr>
+      <p:grpSpPr>
+        <a:xfrm>
+          <a:off x="0" y="0"/>
+          <a:ext cx="0" cy="0"/>
+          <a:chOff x="0" y="0"/>
+          <a:chExt cx="0" cy="0"/>
+        </a:xfrm>
+      </p:grpSpPr>
+      <p:sp>
+        <p:nvSpPr>
+          <p:cNvPr id="2" name="Title 1">
+            <a:extLst>
+              <a:ext uri="{FF2B5EF4-FFF2-40B4-BE49-F238E27FC236}">
+                <a16:creationId xmlns:a16="http://schemas.microsoft.com/office/drawing/2014/main" id="{A1944F80-7527-9701-C004-EA1C027C8590}"/>
+              </a:ext>
+            </a:extLst>
+          </p:cNvPr>
+          <p:cNvSpPr>
+            <a:spLocks noGrp="1"/>
+          </p:cNvSpPr>
+          <p:nvPr>
+            <p:ph type="title"/>
+          </p:nvPr>
+        </p:nvSpPr>
+        <p:spPr>
+          <a:xfrm>
+            <a:off x="838200" y="-115521"/>
+            <a:ext cx="10515600" cy="1325563"/>
+          </a:xfrm>
+        </p:spPr>
+        <p:txBody>
+          <a:bodyPr/>
+          <a:lstStyle/>
+          <a:p>
+            <a:pPr algn="ctr"/>
+            <a:r>
+              <a:rPr lang="he-IL" err="1">
+                <a:solidFill>
+                  <a:srgbClr val="0D47A1"/>
+                </a:solidFill>
+                <a:cs typeface="Times New Roman"/>
+              </a:rPr>
+              <a:t>Main</a:t>
+            </a:r>
+            <a:r>
+              <a:rPr lang="he-IL">
+                <a:solidFill>
+                  <a:srgbClr val="0D47A1"/>
+                </a:solidFill>
+                <a:cs typeface="Times New Roman"/>
+              </a:rPr>
+              <a:t> </a:t>
+            </a:r>
+            <a:r>
+              <a:rPr lang="he-IL" err="1">
+                <a:solidFill>
+                  <a:srgbClr val="0D47A1"/>
+                </a:solidFill>
+                <a:cs typeface="Times New Roman"/>
+              </a:rPr>
+              <a:t>Page</a:t>
+            </a:r>
+            <a:r>
+              <a:rPr lang="he-IL">
+                <a:solidFill>
+                  <a:srgbClr val="0D47A1"/>
+                </a:solidFill>
+                <a:cs typeface="Times New Roman"/>
+              </a:rPr>
+              <a:t> – </a:t>
+            </a:r>
+            <a:r>
+              <a:rPr lang="he-IL" err="1">
+                <a:solidFill>
+                  <a:srgbClr val="0D47A1"/>
+                </a:solidFill>
+                <a:cs typeface="Times New Roman"/>
+              </a:rPr>
+              <a:t>Client</a:t>
+            </a:r>
+            <a:r>
+              <a:rPr lang="he-IL">
+                <a:solidFill>
+                  <a:srgbClr val="0D47A1"/>
+                </a:solidFill>
+                <a:cs typeface="Times New Roman"/>
+              </a:rPr>
+              <a:t> &amp; </a:t>
+            </a:r>
+            <a:r>
+              <a:rPr lang="he-IL" err="1">
+                <a:solidFill>
+                  <a:srgbClr val="0D47A1"/>
+                </a:solidFill>
+                <a:cs typeface="Times New Roman"/>
+              </a:rPr>
+              <a:t>Doctor</a:t>
+            </a:r>
+          </a:p>
+        </p:txBody>
+      </p:sp>
+      <p:pic>
+        <p:nvPicPr>
+          <p:cNvPr id="4" name="Picture 3" descr="A screenshot of a phone&#10;&#10;Description automatically generated">
+            <a:extLst>
+              <a:ext uri="{FF2B5EF4-FFF2-40B4-BE49-F238E27FC236}">
+                <a16:creationId xmlns:a16="http://schemas.microsoft.com/office/drawing/2014/main" id="{A2232B0C-C5E7-0ADD-83B4-D2C48C1740D3}"/>
+              </a:ext>
+            </a:extLst>
+          </p:cNvPr>
+          <p:cNvPicPr>
+            <a:picLocks noChangeAspect="1"/>
+          </p:cNvPicPr>
+          <p:nvPr/>
+        </p:nvPicPr>
+        <p:blipFill>
+          <a:blip r:embed="rId2"/>
+          <a:stretch>
+            <a:fillRect/>
+          </a:stretch>
+        </p:blipFill>
+        <p:spPr>
+          <a:xfrm>
+            <a:off x="2283702" y="1031630"/>
+            <a:ext cx="2571950" cy="5767755"/>
+          </a:xfrm>
+          <a:prstGeom prst="rect">
+            <a:avLst/>
+          </a:prstGeom>
+        </p:spPr>
+      </p:pic>
+      <p:pic>
+        <p:nvPicPr>
+          <p:cNvPr id="5" name="Picture 4" descr="A screenshot of a phone&#10;&#10;Description automatically generated">
+            <a:extLst>
+              <a:ext uri="{FF2B5EF4-FFF2-40B4-BE49-F238E27FC236}">
+                <a16:creationId xmlns:a16="http://schemas.microsoft.com/office/drawing/2014/main" id="{24DBECD4-924E-3BD3-FDCC-023599D0BE16}"/>
+              </a:ext>
+            </a:extLst>
+          </p:cNvPr>
+          <p:cNvPicPr>
+            <a:picLocks noChangeAspect="1"/>
+          </p:cNvPicPr>
+          <p:nvPr/>
+        </p:nvPicPr>
+        <p:blipFill>
+          <a:blip r:embed="rId3"/>
+          <a:stretch>
+            <a:fillRect/>
+          </a:stretch>
+        </p:blipFill>
+        <p:spPr>
+          <a:xfrm>
+            <a:off x="7573981" y="984738"/>
+            <a:ext cx="2565610" cy="5767754"/>
+          </a:xfrm>
+          <a:prstGeom prst="rect">
+            <a:avLst/>
+          </a:prstGeom>
+        </p:spPr>
+      </p:pic>
+    </p:spTree>
+    <p:extLst>
+      <p:ext uri="{BB962C8B-B14F-4D97-AF65-F5344CB8AC3E}">
+        <p14:creationId xmlns:p14="http://schemas.microsoft.com/office/powerpoint/2010/main" val="3981781074"/>
+      </p:ext>
+    </p:extLst>
+  </p:cSld>
+  <p:clrMapOvr>
+    <a:masterClrMapping/>
+  </p:clrMapOvr>
+</p:sld>
+</file>
+
+<file path=ppt/slides/slide14.xml><?xml version="1.0" encoding="utf-8"?>
+<p:sld xmlns:a="http://schemas.openxmlformats.org/drawingml/2006/main" xmlns:r="http://schemas.openxmlformats.org/officeDocument/2006/relationships" xmlns:p="http://schemas.openxmlformats.org/presentationml/2006/main">
+  <p:cSld>
+    <p:spTree>
+      <p:nvGrpSpPr>
+        <p:cNvPr id="1" name="">
+          <a:extLst>
+            <a:ext uri="{FF2B5EF4-FFF2-40B4-BE49-F238E27FC236}">
+              <a16:creationId xmlns:a16="http://schemas.microsoft.com/office/drawing/2014/main" id="{CEE78F05-39B5-75E7-7164-78AD00126324}"/>
+            </a:ext>
+          </a:extLst>
+        </p:cNvPr>
+        <p:cNvGrpSpPr/>
+        <p:nvPr/>
+      </p:nvGrpSpPr>
+      <p:grpSpPr>
+        <a:xfrm>
+          <a:off x="0" y="0"/>
+          <a:ext cx="0" cy="0"/>
+          <a:chOff x="0" y="0"/>
+          <a:chExt cx="0" cy="0"/>
+        </a:xfrm>
+      </p:grpSpPr>
+      <p:sp>
+        <p:nvSpPr>
+          <p:cNvPr id="2" name="Title 1">
+            <a:extLst>
+              <a:ext uri="{FF2B5EF4-FFF2-40B4-BE49-F238E27FC236}">
+                <a16:creationId xmlns:a16="http://schemas.microsoft.com/office/drawing/2014/main" id="{F1B4D96C-AD6D-B54C-7327-1C3D3E4D2859}"/>
+              </a:ext>
+            </a:extLst>
+          </p:cNvPr>
+          <p:cNvSpPr>
+            <a:spLocks noGrp="1"/>
+          </p:cNvSpPr>
+          <p:nvPr>
+            <p:ph type="title"/>
+          </p:nvPr>
+        </p:nvSpPr>
+        <p:spPr>
+          <a:xfrm>
+            <a:off x="838200" y="-68629"/>
+            <a:ext cx="10515600" cy="1325563"/>
+          </a:xfrm>
+        </p:spPr>
+        <p:txBody>
+          <a:bodyPr/>
+          <a:lstStyle/>
+          <a:p>
+            <a:pPr algn="ctr"/>
+            <a:r>
+              <a:rPr lang="he-IL" err="1">
+                <a:solidFill>
+                  <a:srgbClr val="0D47A1"/>
+                </a:solidFill>
+                <a:cs typeface="Times New Roman"/>
+              </a:rPr>
+              <a:t>Profile</a:t>
+            </a:r>
+            <a:endParaRPr lang="he-IL">
+              <a:solidFill>
+                <a:srgbClr val="0D47A1"/>
+              </a:solidFill>
+              <a:cs typeface="Times New Roman"/>
+            </a:endParaRPr>
+          </a:p>
+        </p:txBody>
+      </p:sp>
+      <p:pic>
+        <p:nvPicPr>
+          <p:cNvPr id="4" name="Picture 3" descr="A screenshot of a phone&#10;&#10;Description automatically generated">
+            <a:extLst>
+              <a:ext uri="{FF2B5EF4-FFF2-40B4-BE49-F238E27FC236}">
+                <a16:creationId xmlns:a16="http://schemas.microsoft.com/office/drawing/2014/main" id="{440157FC-6250-66B4-C780-1979D12BC24A}"/>
+              </a:ext>
+            </a:extLst>
+          </p:cNvPr>
+          <p:cNvPicPr>
+            <a:picLocks noChangeAspect="1"/>
+          </p:cNvPicPr>
+          <p:nvPr/>
+        </p:nvPicPr>
+        <p:blipFill>
+          <a:blip r:embed="rId2"/>
+          <a:stretch>
+            <a:fillRect/>
+          </a:stretch>
+        </p:blipFill>
+        <p:spPr>
+          <a:xfrm>
+            <a:off x="7302117" y="1031631"/>
+            <a:ext cx="2640410" cy="5826369"/>
+          </a:xfrm>
+          <a:prstGeom prst="rect">
+            <a:avLst/>
+          </a:prstGeom>
+        </p:spPr>
+      </p:pic>
+      <p:pic>
+        <p:nvPicPr>
+          <p:cNvPr id="5" name="Picture 4" descr="A screen shot of a phone&#10;&#10;Description automatically generated">
+            <a:extLst>
+              <a:ext uri="{FF2B5EF4-FFF2-40B4-BE49-F238E27FC236}">
+                <a16:creationId xmlns:a16="http://schemas.microsoft.com/office/drawing/2014/main" id="{A7A9E992-7BE0-3D62-1575-2156B4990E81}"/>
+              </a:ext>
+            </a:extLst>
+          </p:cNvPr>
+          <p:cNvPicPr>
+            <a:picLocks noChangeAspect="1"/>
+          </p:cNvPicPr>
+          <p:nvPr/>
+        </p:nvPicPr>
+        <p:blipFill>
+          <a:blip r:embed="rId3"/>
+          <a:stretch>
+            <a:fillRect/>
+          </a:stretch>
+        </p:blipFill>
+        <p:spPr>
+          <a:xfrm>
+            <a:off x="2299762" y="1031630"/>
+            <a:ext cx="2633616" cy="5826370"/>
+          </a:xfrm>
+          <a:prstGeom prst="rect">
+            <a:avLst/>
+          </a:prstGeom>
+        </p:spPr>
+      </p:pic>
+    </p:spTree>
+    <p:extLst>
+      <p:ext uri="{BB962C8B-B14F-4D97-AF65-F5344CB8AC3E}">
+        <p14:creationId xmlns:p14="http://schemas.microsoft.com/office/powerpoint/2010/main" val="1458419256"/>
+      </p:ext>
+    </p:extLst>
+  </p:cSld>
+  <p:clrMapOvr>
+    <a:masterClrMapping/>
+  </p:clrMapOvr>
+</p:sld>
+</file>
+
 <file path=ppt/slides/slide2.xml><?xml version="1.0" encoding="utf-8"?>
 <p:sld xmlns:a="http://schemas.openxmlformats.org/drawingml/2006/main" xmlns:r="http://schemas.openxmlformats.org/officeDocument/2006/relationships" xmlns:p="http://schemas.openxmlformats.org/presentationml/2006/main">
   <p:cSld>
@@ -4072,7 +5054,7 @@
           <a:p>
             <a:pPr algn="ctr"/>
             <a:r>
-              <a:rPr lang="he-IL" dirty="0">
+              <a:rPr lang="he-IL">
                 <a:solidFill>
                   <a:srgbClr val="0D47A1"/>
                 </a:solidFill>
@@ -4080,7 +5062,7 @@
               </a:rPr>
               <a:t>תיאור המערכת</a:t>
             </a:r>
-            <a:endParaRPr lang="en-IL" dirty="0">
+            <a:endParaRPr lang="en-IL">
               <a:solidFill>
                 <a:srgbClr val="0D47A1"/>
               </a:solidFill>
@@ -4112,7 +5094,7 @@
           <a:p>
             <a:pPr algn="r" rtl="1"/>
             <a:r>
-              <a:rPr lang="he-IL" dirty="0">
+              <a:rPr lang="he-IL">
                 <a:solidFill>
                   <a:srgbClr val="0D47A1"/>
                 </a:solidFill>
@@ -4120,7 +5102,7 @@
               <a:t>אנו פיתחנו אפליקציה לקופת חולים</a:t>
             </a:r>
             <a:r>
-              <a:rPr lang="en-US" dirty="0">
+              <a:rPr lang="en-US">
                 <a:solidFill>
                   <a:srgbClr val="0D47A1"/>
                 </a:solidFill>
@@ -4128,7 +5110,7 @@
               <a:t>.</a:t>
             </a:r>
             <a:r>
-              <a:rPr lang="he-IL" dirty="0">
+              <a:rPr lang="he-IL">
                 <a:solidFill>
                   <a:srgbClr val="0D47A1"/>
                 </a:solidFill>
@@ -4136,14 +5118,14 @@
               <a:t> קיימים שני סוגי משתמשים חבר קופת חולים ורופא</a:t>
             </a:r>
             <a:r>
-              <a:rPr lang="en-US" dirty="0">
+              <a:rPr lang="en-US">
                 <a:solidFill>
                   <a:srgbClr val="0D47A1"/>
                 </a:solidFill>
               </a:rPr>
               <a:t>.</a:t>
             </a:r>
-            <a:endParaRPr lang="he-IL" dirty="0">
+            <a:endParaRPr lang="he-IL">
               <a:solidFill>
                 <a:srgbClr val="0D47A1"/>
               </a:solidFill>
@@ -4152,7 +5134,7 @@
           <a:p>
             <a:pPr algn="r" rtl="1"/>
             <a:r>
-              <a:rPr lang="he-IL" dirty="0">
+              <a:rPr lang="he-IL">
                 <a:solidFill>
                   <a:srgbClr val="0D47A1"/>
                 </a:solidFill>
@@ -4160,7 +5142,7 @@
               <a:t>מצד החבר קופת חולים ניתן לקבוע ולבטל תור לרופאים שונים</a:t>
             </a:r>
             <a:r>
-              <a:rPr lang="en-US" dirty="0">
+              <a:rPr lang="en-US">
                 <a:solidFill>
                   <a:srgbClr val="0D47A1"/>
                 </a:solidFill>
@@ -4168,7 +5150,7 @@
               <a:t>,</a:t>
             </a:r>
             <a:r>
-              <a:rPr lang="he-IL" dirty="0">
+              <a:rPr lang="he-IL">
                 <a:solidFill>
                   <a:srgbClr val="0D47A1"/>
                 </a:solidFill>
@@ -4176,7 +5158,7 @@
               <a:t> לשלוח הודעות לרופאים</a:t>
             </a:r>
             <a:r>
-              <a:rPr lang="en-US" dirty="0">
+              <a:rPr lang="en-US">
                 <a:solidFill>
                   <a:srgbClr val="0D47A1"/>
                 </a:solidFill>
@@ -4184,7 +5166,7 @@
               <a:t>,</a:t>
             </a:r>
             <a:r>
-              <a:rPr lang="he-IL" dirty="0">
+              <a:rPr lang="he-IL">
                 <a:solidFill>
                   <a:srgbClr val="0D47A1"/>
                 </a:solidFill>
@@ -4192,14 +5174,14 @@
               <a:t> לצפות בתורים קיימים והודעות קיימות</a:t>
             </a:r>
             <a:r>
-              <a:rPr lang="en-US" dirty="0">
+              <a:rPr lang="en-US">
                 <a:solidFill>
                   <a:srgbClr val="0D47A1"/>
                 </a:solidFill>
               </a:rPr>
               <a:t>.</a:t>
             </a:r>
-            <a:endParaRPr lang="he-IL" dirty="0">
+            <a:endParaRPr lang="he-IL">
               <a:solidFill>
                 <a:srgbClr val="0D47A1"/>
               </a:solidFill>
@@ -4208,7 +5190,7 @@
           <a:p>
             <a:pPr algn="r" rtl="1"/>
             <a:r>
-              <a:rPr lang="he-IL" dirty="0">
+              <a:rPr lang="he-IL">
                 <a:solidFill>
                   <a:srgbClr val="0D47A1"/>
                 </a:solidFill>
@@ -4216,7 +5198,7 @@
               <a:t>מצד הרופא ניתן לתת מענה להודעות של חברי קופת החולים</a:t>
             </a:r>
             <a:r>
-              <a:rPr lang="en-US" dirty="0">
+              <a:rPr lang="en-US">
                 <a:solidFill>
                   <a:srgbClr val="0D47A1"/>
                 </a:solidFill>
@@ -4224,7 +5206,7 @@
               <a:t>,</a:t>
             </a:r>
             <a:r>
-              <a:rPr lang="he-IL" dirty="0">
+              <a:rPr lang="he-IL">
                 <a:solidFill>
                   <a:srgbClr val="0D47A1"/>
                 </a:solidFill>
@@ -4232,7 +5214,7 @@
               <a:t> לבטל תור</a:t>
             </a:r>
             <a:r>
-              <a:rPr lang="en-US" dirty="0">
+              <a:rPr lang="en-US">
                 <a:solidFill>
                   <a:srgbClr val="0D47A1"/>
                 </a:solidFill>
@@ -4240,7 +5222,7 @@
               <a:t>,</a:t>
             </a:r>
             <a:r>
-              <a:rPr lang="he-IL" dirty="0">
+              <a:rPr lang="he-IL">
                 <a:solidFill>
                   <a:srgbClr val="0D47A1"/>
                 </a:solidFill>
@@ -4248,14 +5230,14 @@
               <a:t> ולצפות בלוח זמנים (30 יום קדימה)</a:t>
             </a:r>
             <a:r>
-              <a:rPr lang="en-US" dirty="0">
+              <a:rPr lang="en-US">
                 <a:solidFill>
                   <a:srgbClr val="0D47A1"/>
                 </a:solidFill>
               </a:rPr>
               <a:t>.</a:t>
             </a:r>
-            <a:endParaRPr lang="he-IL" dirty="0">
+            <a:endParaRPr lang="he-IL">
               <a:solidFill>
                 <a:srgbClr val="0D47A1"/>
               </a:solidFill>
@@ -4264,15 +5246,47 @@
           <a:p>
             <a:pPr algn="r" rtl="1"/>
             <a:r>
-              <a:rPr lang="he-IL" dirty="0">
-                <a:solidFill>
-                  <a:srgbClr val="0D47A1"/>
-                </a:solidFill>
-              </a:rPr>
-              <a:t>השתשמנו במסד נתונים של </a:t>
-            </a:r>
-            <a:r>
-              <a:rPr lang="en-US" dirty="0">
+              <a:rPr lang="he-IL">
+                <a:solidFill>
+                  <a:srgbClr val="0D47A1"/>
+                </a:solidFill>
+              </a:rPr>
+              <a:t>השתמשנו במסד נתונים של </a:t>
+            </a:r>
+            <a:r>
+              <a:rPr lang="en-US">
+                <a:solidFill>
+                  <a:srgbClr val="0D47A1"/>
+                </a:solidFill>
+              </a:rPr>
+              <a:t>.Firebase</a:t>
+            </a:r>
+            <a:r>
+              <a:rPr lang="he-IL">
+                <a:solidFill>
+                  <a:srgbClr val="0D47A1"/>
+                </a:solidFill>
+              </a:rPr>
+              <a:t> בשביל ההתחברות ושמירת המשתמשים</a:t>
+            </a:r>
+            <a:r>
+              <a:rPr lang="en-US">
+                <a:solidFill>
+                  <a:srgbClr val="0D47A1"/>
+                </a:solidFill>
+              </a:rPr>
+              <a:t>.</a:t>
+            </a:r>
+            <a:r>
+              <a:rPr lang="he-IL">
+                <a:solidFill>
+                  <a:srgbClr val="0D47A1"/>
+                </a:solidFill>
+              </a:rPr>
+              <a:t> השתמשנו באימות של </a:t>
+            </a:r>
+            <a:r>
+              <a:rPr lang="en-US">
                 <a:solidFill>
                   <a:srgbClr val="0D47A1"/>
                 </a:solidFill>
@@ -4280,54 +5294,38 @@
               <a:t>Firebase</a:t>
             </a:r>
             <a:r>
-              <a:rPr lang="he-IL" dirty="0">
-                <a:solidFill>
-                  <a:srgbClr val="0D47A1"/>
-                </a:solidFill>
-              </a:rPr>
-              <a:t> בשביל ההתחברות ושמירת המשתמשים</a:t>
-            </a:r>
-            <a:r>
-              <a:rPr lang="en-US" dirty="0">
+              <a:rPr lang="he-IL">
+                <a:solidFill>
+                  <a:srgbClr val="0D47A1"/>
+                </a:solidFill>
+              </a:rPr>
+              <a:t>. לאחר מכן הרחבנו גם ל</a:t>
+            </a:r>
+            <a:r>
+              <a:rPr lang="en-US" err="1">
+                <a:solidFill>
+                  <a:srgbClr val="0D47A1"/>
+                </a:solidFill>
+              </a:rPr>
+              <a:t>firestore</a:t>
+            </a:r>
+            <a:r>
+              <a:rPr lang="he-IL">
+                <a:solidFill>
+                  <a:srgbClr val="0D47A1"/>
+                </a:solidFill>
+              </a:rPr>
+              <a:t> על מנת לאחסן הודעות ותורים</a:t>
+            </a:r>
+            <a:r>
+              <a:rPr lang="en-US">
                 <a:solidFill>
                   <a:srgbClr val="0D47A1"/>
                 </a:solidFill>
               </a:rPr>
               <a:t>.</a:t>
             </a:r>
-            <a:r>
-              <a:rPr lang="he-IL" dirty="0">
-                <a:solidFill>
-                  <a:srgbClr val="0D47A1"/>
-                </a:solidFill>
-              </a:rPr>
-              <a:t> לאחר מכן הרחבנו גם ל</a:t>
-            </a:r>
-            <a:r>
-              <a:rPr lang="en-US" dirty="0" err="1">
-                <a:solidFill>
-                  <a:srgbClr val="0D47A1"/>
-                </a:solidFill>
-              </a:rPr>
-              <a:t>firestore</a:t>
-            </a:r>
-            <a:r>
-              <a:rPr lang="he-IL" dirty="0">
-                <a:solidFill>
-                  <a:srgbClr val="0D47A1"/>
-                </a:solidFill>
-              </a:rPr>
-              <a:t> על מנת לאחסן הודעות ותורים</a:t>
-            </a:r>
-            <a:r>
-              <a:rPr lang="en-US" dirty="0">
-                <a:solidFill>
-                  <a:srgbClr val="0D47A1"/>
-                </a:solidFill>
-              </a:rPr>
-              <a:t>.</a:t>
-            </a:r>
-            <a:endParaRPr lang="en-IL" dirty="0">
+            <a:endParaRPr lang="en-IL">
               <a:solidFill>
                 <a:srgbClr val="0D47A1"/>
               </a:solidFill>
@@ -4388,7 +5386,7 @@
           <a:p>
             <a:pPr algn="ctr"/>
             <a:r>
-              <a:rPr lang="he-IL" dirty="0">
+              <a:rPr lang="he-IL">
                 <a:solidFill>
                   <a:srgbClr val="0D47A1"/>
                 </a:solidFill>
@@ -4396,7 +5394,7 @@
               </a:rPr>
               <a:t>הצורך במערכת</a:t>
             </a:r>
-            <a:endParaRPr lang="en-IL" dirty="0">
+            <a:endParaRPr lang="en-IL">
               <a:solidFill>
                 <a:srgbClr val="0D47A1"/>
               </a:solidFill>
@@ -4428,7 +5426,7 @@
           <a:p>
             <a:pPr algn="r" rtl="1"/>
             <a:r>
-              <a:rPr lang="he-IL" dirty="0">
+              <a:rPr lang="he-IL">
                 <a:solidFill>
                   <a:srgbClr val="0D47A1"/>
                 </a:solidFill>
@@ -4436,7 +5434,7 @@
               <a:t>בעבר על מנת לקבוע תור לקופת חולים היה צריך להגיע פיזית למתחם או להתקשר ולחכות זמן רב לנציג</a:t>
             </a:r>
             <a:r>
-              <a:rPr lang="en-US" dirty="0">
+              <a:rPr lang="en-US">
                 <a:solidFill>
                   <a:srgbClr val="0D47A1"/>
                 </a:solidFill>
@@ -4444,22 +5442,22 @@
               <a:t>.</a:t>
             </a:r>
             <a:r>
-              <a:rPr lang="he-IL" dirty="0">
-                <a:solidFill>
-                  <a:srgbClr val="0D47A1"/>
-                </a:solidFill>
-              </a:rPr>
-              <a:t> כיום ישנן אפליקציות שמפשטות את תהליך התקשורת עם הקופת חולים</a:t>
-            </a:r>
-            <a:r>
-              <a:rPr lang="en-US" dirty="0">
+              <a:rPr lang="he-IL">
+                <a:solidFill>
+                  <a:srgbClr val="0D47A1"/>
+                </a:solidFill>
+              </a:rPr>
+              <a:t> כיום ישנן אפליקציות שמפשטות את תהליך התקשורת עם קופת החולים</a:t>
+            </a:r>
+            <a:r>
+              <a:rPr lang="en-US">
                 <a:solidFill>
                   <a:srgbClr val="0D47A1"/>
                 </a:solidFill>
               </a:rPr>
               <a:t>.</a:t>
             </a:r>
-            <a:endParaRPr lang="he-IL" dirty="0">
+            <a:endParaRPr lang="he-IL">
               <a:solidFill>
                 <a:srgbClr val="0D47A1"/>
               </a:solidFill>
@@ -4468,7 +5466,7 @@
           <a:p>
             <a:pPr algn="r" rtl="1"/>
             <a:r>
-              <a:rPr lang="he-IL" dirty="0">
+              <a:rPr lang="he-IL">
                 <a:solidFill>
                   <a:srgbClr val="0D47A1"/>
                 </a:solidFill>
@@ -4476,73 +5474,14 @@
               <a:t>האפליקציה שלנו מאפשרת קביעה נוחה של תורים לרופאים ללא המתנה לנציג טלפוני ושליחת הודעות בין חבר קופ"ח לרופא</a:t>
             </a:r>
             <a:r>
-              <a:rPr lang="en-US" dirty="0">
+              <a:rPr lang="en-US">
                 <a:solidFill>
                   <a:srgbClr val="0D47A1"/>
                 </a:solidFill>
               </a:rPr>
               <a:t>.</a:t>
             </a:r>
-            <a:r>
-              <a:rPr lang="he-IL" dirty="0">
-                <a:solidFill>
-                  <a:srgbClr val="0D47A1"/>
-                </a:solidFill>
-              </a:rPr>
-              <a:t>,</a:t>
-            </a:r>
-          </a:p>
-          <a:p>
-            <a:pPr algn="r" rtl="1"/>
-            <a:r>
-              <a:rPr lang="he-IL" dirty="0">
-                <a:solidFill>
-                  <a:srgbClr val="0D47A1"/>
-                </a:solidFill>
-              </a:rPr>
-              <a:t>עיצוב האפליקציה שלנו פשוט</a:t>
-            </a:r>
-            <a:r>
-              <a:rPr lang="en-US" dirty="0">
-                <a:solidFill>
-                  <a:srgbClr val="0D47A1"/>
-                </a:solidFill>
-              </a:rPr>
-              <a:t>,</a:t>
-            </a:r>
-            <a:r>
-              <a:rPr lang="he-IL" dirty="0">
-                <a:solidFill>
-                  <a:srgbClr val="0D47A1"/>
-                </a:solidFill>
-              </a:rPr>
-              <a:t> ידידותי ומונגש לכלל המשתמשים</a:t>
-            </a:r>
-            <a:r>
-              <a:rPr lang="en-US" dirty="0">
-                <a:solidFill>
-                  <a:srgbClr val="0D47A1"/>
-                </a:solidFill>
-              </a:rPr>
-              <a:t>,</a:t>
-            </a:r>
-            <a:r>
-              <a:rPr lang="he-IL" dirty="0">
-                <a:solidFill>
-                  <a:srgbClr val="0D47A1"/>
-                </a:solidFill>
-              </a:rPr>
-              <a:t> במיוחד לאנשים מבוגרים</a:t>
-            </a:r>
-            <a:r>
-              <a:rPr lang="en-US" dirty="0">
-                <a:solidFill>
-                  <a:srgbClr val="0D47A1"/>
-                </a:solidFill>
-              </a:rPr>
-              <a:t>.</a:t>
-            </a:r>
-            <a:endParaRPr lang="he-IL" dirty="0">
+            <a:endParaRPr lang="he-IL">
               <a:solidFill>
                 <a:srgbClr val="0D47A1"/>
               </a:solidFill>
@@ -4551,7 +5490,63 @@
           <a:p>
             <a:pPr algn="r" rtl="1"/>
             <a:r>
-              <a:rPr lang="he-IL" dirty="0">
+              <a:rPr lang="he-IL">
+                <a:solidFill>
+                  <a:srgbClr val="0D47A1"/>
+                </a:solidFill>
+              </a:rPr>
+              <a:t>עיצוב האפליקציה שלנו פשוט</a:t>
+            </a:r>
+            <a:r>
+              <a:rPr lang="en-US">
+                <a:solidFill>
+                  <a:srgbClr val="0D47A1"/>
+                </a:solidFill>
+              </a:rPr>
+              <a:t>,</a:t>
+            </a:r>
+            <a:r>
+              <a:rPr lang="he-IL">
+                <a:solidFill>
+                  <a:srgbClr val="0D47A1"/>
+                </a:solidFill>
+              </a:rPr>
+              <a:t> ידידותי ומונגש לכלל המשתמשים</a:t>
+            </a:r>
+            <a:r>
+              <a:rPr lang="en-US">
+                <a:solidFill>
+                  <a:srgbClr val="0D47A1"/>
+                </a:solidFill>
+              </a:rPr>
+              <a:t>,</a:t>
+            </a:r>
+            <a:r>
+              <a:rPr lang="he-IL">
+                <a:solidFill>
+                  <a:srgbClr val="0D47A1"/>
+                </a:solidFill>
+              </a:rPr>
+              <a:t> במיוחד לאנשים מבוגרים</a:t>
+            </a:r>
+            <a:r>
+              <a:rPr lang="en-US">
+                <a:solidFill>
+                  <a:srgbClr val="0D47A1"/>
+                </a:solidFill>
+              </a:rPr>
+              <a:t>.</a:t>
+            </a:r>
+            <a:endParaRPr lang="he-IL">
+              <a:solidFill>
+                <a:srgbClr val="0D47A1"/>
+              </a:solidFill>
+            </a:endParaRPr>
+          </a:p>
+          <a:p>
+            <a:pPr algn="r" rtl="1"/>
+            <a:r>
+              <a:rPr lang="he-IL">
                 <a:solidFill>
                   <a:srgbClr val="0D47A1"/>
                 </a:solidFill>
@@ -4561,7 +5556,7 @@
           </a:p>
           <a:p>
             <a:pPr algn="r" rtl="1"/>
-            <a:endParaRPr lang="he-IL" dirty="0">
+            <a:endParaRPr lang="he-IL">
               <a:solidFill>
                 <a:srgbClr val="0D47A1"/>
               </a:solidFill>
@@ -4570,7 +5565,7 @@
           </a:p>
           <a:p>
             <a:pPr algn="r" rtl="1"/>
-            <a:endParaRPr lang="he-IL" dirty="0">
+            <a:endParaRPr lang="he-IL">
               <a:solidFill>
                 <a:srgbClr val="0D47A1"/>
               </a:solidFill>
@@ -4578,7 +5573,7 @@
           </a:p>
           <a:p>
             <a:pPr algn="r" rtl="1"/>
-            <a:endParaRPr lang="en-IL" dirty="0">
+            <a:endParaRPr lang="en-IL">
               <a:solidFill>
                 <a:srgbClr val="0D47A1"/>
               </a:solidFill>
@@ -4639,7 +5634,7 @@
           <a:p>
             <a:pPr algn="ctr" rtl="1"/>
             <a:r>
-              <a:rPr lang="he-IL" dirty="0">
+              <a:rPr lang="he-IL">
                 <a:solidFill>
                   <a:srgbClr val="0D47A1"/>
                 </a:solidFill>
@@ -4647,7 +5642,7 @@
               </a:rPr>
               <a:t>חלוקת תפקידים</a:t>
             </a:r>
-            <a:endParaRPr lang="en-IL" dirty="0">
+            <a:endParaRPr lang="en-IL">
               <a:solidFill>
                 <a:srgbClr val="0D47A1"/>
               </a:solidFill>
@@ -4681,7 +5676,7 @@
           <a:p>
             <a:pPr algn="r" rtl="1"/>
             <a:r>
-              <a:rPr lang="he-IL" dirty="0">
+              <a:rPr lang="he-IL">
                 <a:solidFill>
                   <a:srgbClr val="0D47A1"/>
                 </a:solidFill>
@@ -4689,7 +5684,7 @@
               <a:t>יובל – מימוש התחברות</a:t>
             </a:r>
             <a:r>
-              <a:rPr lang="en-US" dirty="0">
+              <a:rPr lang="en-US">
                 <a:solidFill>
                   <a:srgbClr val="0D47A1"/>
                 </a:solidFill>
@@ -4697,7 +5692,7 @@
               <a:t>,</a:t>
             </a:r>
             <a:r>
-              <a:rPr lang="he-IL" dirty="0">
+              <a:rPr lang="he-IL">
                 <a:solidFill>
                   <a:srgbClr val="0D47A1"/>
                 </a:solidFill>
@@ -4705,7 +5700,7 @@
               <a:t> פרופילים</a:t>
             </a:r>
             <a:r>
-              <a:rPr lang="en-US" dirty="0">
+              <a:rPr lang="en-US">
                 <a:solidFill>
                   <a:srgbClr val="0D47A1"/>
                 </a:solidFill>
@@ -4713,7 +5708,7 @@
               <a:t>,</a:t>
             </a:r>
             <a:r>
-              <a:rPr lang="he-IL" dirty="0">
+              <a:rPr lang="he-IL">
                 <a:solidFill>
                   <a:srgbClr val="0D47A1"/>
                 </a:solidFill>
@@ -4721,7 +5716,7 @@
               <a:t> שליחת הודעות וצפייה בהודעות קיימות בשני הצדדים</a:t>
             </a:r>
             <a:r>
-              <a:rPr lang="en-US" dirty="0">
+              <a:rPr lang="en-US">
                 <a:solidFill>
                   <a:srgbClr val="0D47A1"/>
                 </a:solidFill>
@@ -4729,7 +5724,7 @@
               <a:t>.</a:t>
             </a:r>
             <a:r>
-              <a:rPr lang="he-IL" dirty="0">
+              <a:rPr lang="he-IL">
                 <a:solidFill>
                   <a:srgbClr val="0D47A1"/>
                 </a:solidFill>
@@ -4740,7 +5735,7 @@
           <a:p>
             <a:pPr algn="r" rtl="1"/>
             <a:r>
-              <a:rPr lang="he-IL" dirty="0">
+              <a:rPr lang="he-IL">
                 <a:solidFill>
                   <a:srgbClr val="0D47A1"/>
                 </a:solidFill>
@@ -4748,7 +5743,7 @@
               <a:t>לידור – מימוש קביעת תורים מצד משתמש</a:t>
             </a:r>
             <a:r>
-              <a:rPr lang="en-US" dirty="0">
+              <a:rPr lang="en-US">
                 <a:solidFill>
                   <a:srgbClr val="0D47A1"/>
                 </a:solidFill>
@@ -4756,7 +5751,7 @@
               <a:t>,</a:t>
             </a:r>
             <a:r>
-              <a:rPr lang="he-IL" dirty="0">
+              <a:rPr lang="he-IL">
                 <a:solidFill>
                   <a:srgbClr val="0D47A1"/>
                 </a:solidFill>
@@ -4764,7 +5759,7 @@
               <a:t> ביטול תורים משני הצדדים</a:t>
             </a:r>
             <a:r>
-              <a:rPr lang="en-US" dirty="0">
+              <a:rPr lang="en-US">
                 <a:solidFill>
                   <a:srgbClr val="0D47A1"/>
                 </a:solidFill>
@@ -4772,7 +5767,7 @@
               <a:t>,</a:t>
             </a:r>
             <a:r>
-              <a:rPr lang="he-IL" dirty="0">
+              <a:rPr lang="he-IL">
                 <a:solidFill>
                   <a:srgbClr val="0D47A1"/>
                 </a:solidFill>
@@ -4780,7 +5775,7 @@
               <a:t> הרשמה של משתמש לאפליקציה</a:t>
             </a:r>
             <a:r>
-              <a:rPr lang="en-US" dirty="0">
+              <a:rPr lang="en-US">
                 <a:solidFill>
                   <a:srgbClr val="0D47A1"/>
                 </a:solidFill>
@@ -4788,7 +5783,7 @@
               <a:t>,</a:t>
             </a:r>
             <a:r>
-              <a:rPr lang="he-IL" dirty="0">
+              <a:rPr lang="he-IL">
                 <a:solidFill>
                   <a:srgbClr val="0D47A1"/>
                 </a:solidFill>
@@ -4796,14 +5791,14 @@
               <a:t> פרופיל משתמש</a:t>
             </a:r>
             <a:r>
-              <a:rPr lang="en-US" dirty="0">
+              <a:rPr lang="en-US">
                 <a:solidFill>
                   <a:srgbClr val="0D47A1"/>
                 </a:solidFill>
               </a:rPr>
               <a:t>.</a:t>
             </a:r>
-            <a:endParaRPr lang="he-IL" dirty="0">
+            <a:endParaRPr lang="he-IL">
               <a:solidFill>
                 <a:srgbClr val="0D47A1"/>
               </a:solidFill>
@@ -4812,7 +5807,7 @@
           <a:p>
             <a:pPr algn="r" rtl="1"/>
             <a:r>
-              <a:rPr lang="he-IL" dirty="0">
+              <a:rPr lang="he-IL">
                 <a:solidFill>
                   <a:srgbClr val="0D47A1"/>
                 </a:solidFill>
@@ -4820,7 +5815,7 @@
               <a:t>ירין – מימוש צפייה בלוח זמנים של רופא</a:t>
             </a:r>
             <a:r>
-              <a:rPr lang="en-US" dirty="0">
+              <a:rPr lang="en-US">
                 <a:solidFill>
                   <a:srgbClr val="0D47A1"/>
                 </a:solidFill>
@@ -4828,7 +5823,7 @@
               <a:t>,</a:t>
             </a:r>
             <a:r>
-              <a:rPr lang="he-IL" dirty="0">
+              <a:rPr lang="he-IL">
                 <a:solidFill>
                   <a:srgbClr val="0D47A1"/>
                 </a:solidFill>
@@ -4836,7 +5831,7 @@
               <a:t> מימוש קביעת תורים מצד משתמש, עיצוב</a:t>
             </a:r>
             <a:r>
-              <a:rPr lang="en-US" dirty="0">
+              <a:rPr lang="en-US">
                 <a:solidFill>
                   <a:srgbClr val="0D47A1"/>
                 </a:solidFill>
@@ -4844,7 +5839,7 @@
               <a:t>,</a:t>
             </a:r>
             <a:r>
-              <a:rPr lang="he-IL" dirty="0">
+              <a:rPr lang="he-IL">
                 <a:solidFill>
                   <a:srgbClr val="0D47A1"/>
                 </a:solidFill>
@@ -4852,14 +5847,14 @@
               <a:t> הרשמה של משתמש לאפליקציה</a:t>
             </a:r>
             <a:r>
-              <a:rPr lang="en-US" dirty="0">
+              <a:rPr lang="en-US">
                 <a:solidFill>
                   <a:srgbClr val="0D47A1"/>
                 </a:solidFill>
               </a:rPr>
               <a:t>.</a:t>
             </a:r>
-            <a:endParaRPr lang="he-IL" dirty="0">
+            <a:endParaRPr lang="he-IL">
               <a:solidFill>
                 <a:srgbClr val="0D47A1"/>
               </a:solidFill>
@@ -4868,7 +5863,7 @@
           <a:p>
             <a:pPr algn="r" rtl="1"/>
             <a:r>
-              <a:rPr lang="he-IL" dirty="0">
+              <a:rPr lang="he-IL">
                 <a:solidFill>
                   <a:srgbClr val="0D47A1"/>
                 </a:solidFill>
@@ -4876,7 +5871,7 @@
               <a:t>גל – מימוש צפייה בתורים קיימים של משתמש</a:t>
             </a:r>
             <a:r>
-              <a:rPr lang="en-US" dirty="0">
+              <a:rPr lang="en-US">
                 <a:solidFill>
                   <a:srgbClr val="0D47A1"/>
                 </a:solidFill>
@@ -4884,7 +5879,7 @@
               <a:t>,</a:t>
             </a:r>
             <a:r>
-              <a:rPr lang="he-IL" dirty="0">
+              <a:rPr lang="he-IL">
                 <a:solidFill>
                   <a:srgbClr val="0D47A1"/>
                 </a:solidFill>
@@ -4892,7 +5887,7 @@
               <a:t> שליחת הודעה מרופא למשתמש</a:t>
             </a:r>
             <a:r>
-              <a:rPr lang="en-US" dirty="0">
+              <a:rPr lang="en-US">
                 <a:solidFill>
                   <a:srgbClr val="0D47A1"/>
                 </a:solidFill>
@@ -4900,7 +5895,7 @@
               <a:t>,</a:t>
             </a:r>
             <a:r>
-              <a:rPr lang="he-IL" dirty="0">
+              <a:rPr lang="he-IL">
                 <a:solidFill>
                   <a:srgbClr val="0D47A1"/>
                 </a:solidFill>
@@ -4908,7 +5903,7 @@
               <a:t> מחיקת הודעות לאחר צפייה בהן</a:t>
             </a:r>
             <a:r>
-              <a:rPr lang="en-US" dirty="0">
+              <a:rPr lang="en-US">
                 <a:solidFill>
                   <a:srgbClr val="0D47A1"/>
                 </a:solidFill>
@@ -4916,7 +5911,7 @@
               <a:t>,</a:t>
             </a:r>
             <a:r>
-              <a:rPr lang="he-IL" dirty="0">
+              <a:rPr lang="he-IL">
                 <a:solidFill>
                   <a:srgbClr val="0D47A1"/>
                 </a:solidFill>
@@ -4924,14 +5919,14 @@
               <a:t> ביטול תורים מצד הלקוח</a:t>
             </a:r>
             <a:r>
-              <a:rPr lang="en-US" dirty="0">
+              <a:rPr lang="en-US">
                 <a:solidFill>
                   <a:srgbClr val="0D47A1"/>
                 </a:solidFill>
               </a:rPr>
               <a:t>.</a:t>
             </a:r>
-            <a:endParaRPr lang="he-IL" dirty="0">
+            <a:endParaRPr lang="he-IL">
               <a:solidFill>
                 <a:srgbClr val="0D47A1"/>
               </a:solidFill>
@@ -4941,7 +5936,7 @@
             <a:pPr marL="0" indent="0" algn="r" rtl="1">
               <a:buNone/>
             </a:pPr>
-            <a:endParaRPr lang="he-IL" dirty="0">
+            <a:endParaRPr lang="he-IL">
               <a:solidFill>
                 <a:srgbClr val="0D47A1"/>
               </a:solidFill>
@@ -4950,7 +5945,7 @@
           <a:p>
             <a:pPr algn="r" rtl="1"/>
             <a:r>
-              <a:rPr lang="he-IL" b="1" dirty="0">
+              <a:rPr lang="he-IL" b="1">
                 <a:solidFill>
                   <a:srgbClr val="0D47A1"/>
                 </a:solidFill>
@@ -4958,7 +5953,7 @@
               <a:t>כמובן שהיו חלקים שבהם הייתה עבודה משותפת כגון: ניהול וארגון המסד נתונים</a:t>
             </a:r>
             <a:r>
-              <a:rPr lang="en-US" b="1" dirty="0">
+              <a:rPr lang="en-US" b="1">
                 <a:solidFill>
                   <a:srgbClr val="0D47A1"/>
                 </a:solidFill>
@@ -4966,7 +5961,7 @@
               <a:t>,</a:t>
             </a:r>
             <a:r>
-              <a:rPr lang="he-IL" b="1" dirty="0">
+              <a:rPr lang="he-IL" b="1">
                 <a:solidFill>
                   <a:srgbClr val="0D47A1"/>
                 </a:solidFill>
@@ -4974,7 +5969,7 @@
               <a:t> תיקון באגים</a:t>
             </a:r>
             <a:r>
-              <a:rPr lang="en-US" b="1" dirty="0">
+              <a:rPr lang="en-US" b="1">
                 <a:solidFill>
                   <a:srgbClr val="0D47A1"/>
                 </a:solidFill>
@@ -4982,7 +5977,7 @@
               <a:t>,</a:t>
             </a:r>
             <a:r>
-              <a:rPr lang="he-IL" b="1" dirty="0">
+              <a:rPr lang="he-IL" b="1">
                 <a:solidFill>
                   <a:srgbClr val="0D47A1"/>
                 </a:solidFill>
@@ -4990,14 +5985,14 @@
               <a:t> תכנון מבנה אפליקציה ועוד</a:t>
             </a:r>
             <a:r>
-              <a:rPr lang="en-US" b="1" dirty="0">
+              <a:rPr lang="en-US" b="1">
                 <a:solidFill>
                   <a:srgbClr val="0D47A1"/>
                 </a:solidFill>
               </a:rPr>
               <a:t>.</a:t>
             </a:r>
-            <a:endParaRPr lang="he-IL" b="1" dirty="0">
+            <a:endParaRPr lang="he-IL" b="1">
               <a:solidFill>
                 <a:srgbClr val="0D47A1"/>
               </a:solidFill>
@@ -5058,7 +6053,7 @@
           <a:p>
             <a:pPr algn="ctr"/>
             <a:r>
-              <a:rPr lang="he-IL" dirty="0">
+              <a:rPr lang="he-IL">
                 <a:solidFill>
                   <a:srgbClr val="0D47A1"/>
                 </a:solidFill>
@@ -5066,7 +6061,7 @@
               </a:rPr>
               <a:t>דרישות מרכזיות של המערכת</a:t>
             </a:r>
-            <a:endParaRPr lang="en-IL" dirty="0">
+            <a:endParaRPr lang="en-IL">
               <a:solidFill>
                 <a:srgbClr val="0D47A1"/>
               </a:solidFill>
@@ -5100,7 +6095,7 @@
               <a:buNone/>
             </a:pPr>
             <a:r>
-              <a:rPr lang="he-IL" sz="2000" u="sng" dirty="0">
+              <a:rPr lang="he-IL" sz="2000" u="sng">
                 <a:solidFill>
                   <a:srgbClr val="0D47A1"/>
                 </a:solidFill>
@@ -5111,7 +6106,7 @@
           <a:p>
             <a:pPr algn="r" rtl="1"/>
             <a:r>
-              <a:rPr lang="he-IL" sz="2000" dirty="0">
+              <a:rPr lang="he-IL" sz="2000">
                 <a:solidFill>
                   <a:srgbClr val="0D47A1"/>
                 </a:solidFill>
@@ -5122,7 +6117,7 @@
           <a:p>
             <a:pPr algn="r" rtl="1"/>
             <a:r>
-              <a:rPr lang="he-IL" sz="2000" dirty="0">
+              <a:rPr lang="he-IL" sz="2000">
                 <a:solidFill>
                   <a:srgbClr val="0D47A1"/>
                 </a:solidFill>
@@ -5133,7 +6128,7 @@
           <a:p>
             <a:pPr algn="r" rtl="1"/>
             <a:r>
-              <a:rPr lang="he-IL" sz="2000" dirty="0">
+              <a:rPr lang="he-IL" sz="2000">
                 <a:solidFill>
                   <a:srgbClr val="0D47A1"/>
                 </a:solidFill>
@@ -5144,18 +6139,18 @@
           <a:p>
             <a:pPr algn="r" rtl="1"/>
             <a:r>
-              <a:rPr lang="he-IL" sz="2000" dirty="0">
-                <a:solidFill>
-                  <a:srgbClr val="0D47A1"/>
-                </a:solidFill>
-              </a:rPr>
-              <a:t>צפייה בתורים קיימים ובלוז רופא</a:t>
+              <a:rPr lang="he-IL" sz="2000">
+                <a:solidFill>
+                  <a:srgbClr val="0D47A1"/>
+                </a:solidFill>
+              </a:rPr>
+              <a:t>צפייה בתורים קיימים ובלו"ז רופא</a:t>
             </a:r>
           </a:p>
           <a:p>
             <a:pPr algn="r" rtl="1"/>
             <a:r>
-              <a:rPr lang="he-IL" sz="2000" dirty="0">
+              <a:rPr lang="he-IL" sz="2000">
                 <a:solidFill>
                   <a:srgbClr val="0D47A1"/>
                 </a:solidFill>
@@ -5168,7 +6163,7 @@
               <a:buNone/>
             </a:pPr>
             <a:r>
-              <a:rPr lang="he-IL" sz="2000" u="sng" dirty="0">
+              <a:rPr lang="he-IL" sz="2000" u="sng">
                 <a:solidFill>
                   <a:srgbClr val="0D47A1"/>
                 </a:solidFill>
@@ -5179,7 +6174,7 @@
           <a:p>
             <a:pPr algn="r" rtl="1"/>
             <a:r>
-              <a:rPr lang="he-IL" sz="2000" dirty="0">
+              <a:rPr lang="he-IL" sz="2000">
                 <a:solidFill>
                   <a:srgbClr val="0D47A1"/>
                 </a:solidFill>
@@ -5187,7 +6182,7 @@
               <a:t>אמינות – המידע שמור היטב במסד נתונים</a:t>
             </a:r>
             <a:r>
-              <a:rPr lang="en-US" sz="2000" dirty="0">
+              <a:rPr lang="en-US" sz="2000">
                 <a:solidFill>
                   <a:srgbClr val="0D47A1"/>
                 </a:solidFill>
@@ -5195,7 +6190,7 @@
               <a:t>.</a:t>
             </a:r>
             <a:r>
-              <a:rPr lang="he-IL" sz="2000" dirty="0">
+              <a:rPr lang="he-IL" sz="2000">
                 <a:solidFill>
                   <a:srgbClr val="0D47A1"/>
                 </a:solidFill>
@@ -5206,7 +6201,7 @@
           <a:p>
             <a:pPr algn="r" rtl="1"/>
             <a:r>
-              <a:rPr lang="he-IL" sz="2000" dirty="0">
+              <a:rPr lang="he-IL" sz="2000">
                 <a:solidFill>
                   <a:srgbClr val="0D47A1"/>
                 </a:solidFill>
@@ -5214,7 +6209,7 @@
               <a:t>זמינות – האפליקציה זמינה 7</a:t>
             </a:r>
             <a:r>
-              <a:rPr lang="en-US" sz="2000" dirty="0">
+              <a:rPr lang="en-US" sz="2000">
                 <a:solidFill>
                   <a:srgbClr val="0D47A1"/>
                 </a:solidFill>
@@ -5222,7 +6217,7 @@
               <a:t>24/</a:t>
             </a:r>
             <a:r>
-              <a:rPr lang="he-IL" sz="2000" dirty="0">
+              <a:rPr lang="he-IL" sz="2000">
                 <a:solidFill>
                   <a:srgbClr val="0D47A1"/>
                 </a:solidFill>
@@ -5233,22 +6228,38 @@
           <a:p>
             <a:pPr algn="r" rtl="1"/>
             <a:r>
-              <a:rPr lang="he-IL" sz="2000" dirty="0">
-                <a:solidFill>
-                  <a:srgbClr val="0D47A1"/>
-                </a:solidFill>
-              </a:rPr>
-              <a:t>ביצועים – כל פעולה מבוצעת באופן מיידי ומסונכרן</a:t>
-            </a:r>
-            <a:r>
-              <a:rPr lang="en-US" sz="2000" dirty="0">
+              <a:rPr lang="he-IL" sz="2000">
+                <a:solidFill>
+                  <a:srgbClr val="0D47A1"/>
+                </a:solidFill>
+              </a:rPr>
+              <a:t>ביצועים – כל פעולה מבוצעת באופן </a:t>
+            </a:r>
+            <a:r>
+              <a:rPr lang="he-IL" sz="2000" err="1">
+                <a:solidFill>
+                  <a:srgbClr val="0D47A1"/>
+                </a:solidFill>
+              </a:rPr>
+              <a:t>מיידי</a:t>
+            </a:r>
+            <a:r>
+              <a:rPr lang="he-IL" sz="2000">
+                <a:solidFill>
+                  <a:srgbClr val="0D47A1"/>
+                </a:solidFill>
+              </a:rPr>
+              <a:t> ומסונכרן</a:t>
+            </a:r>
+            <a:r>
+              <a:rPr lang="en-US" sz="2000">
                 <a:solidFill>
                   <a:srgbClr val="0D47A1"/>
                 </a:solidFill>
               </a:rPr>
               <a:t>.</a:t>
             </a:r>
-            <a:endParaRPr lang="he-IL" sz="2000" dirty="0">
+            <a:endParaRPr lang="he-IL" sz="2000">
               <a:solidFill>
                 <a:srgbClr val="0D47A1"/>
               </a:solidFill>
@@ -5256,7 +6267,7 @@
           </a:p>
           <a:p>
             <a:pPr algn="r" rtl="1"/>
-            <a:endParaRPr lang="he-IL" sz="2000" dirty="0">
+            <a:endParaRPr lang="he-IL" sz="2000">
               <a:solidFill>
                 <a:srgbClr val="0D47A1"/>
               </a:solidFill>
@@ -5264,7 +6275,7 @@
           </a:p>
           <a:p>
             <a:pPr algn="r" rtl="1"/>
-            <a:endParaRPr lang="he-IL" sz="2000" dirty="0">
+            <a:endParaRPr lang="he-IL" sz="2000">
               <a:solidFill>
                 <a:srgbClr val="0D47A1"/>
               </a:solidFill>
@@ -5272,7 +6283,7 @@
           </a:p>
           <a:p>
             <a:pPr algn="r" rtl="1"/>
-            <a:endParaRPr lang="he-IL" dirty="0">
+            <a:endParaRPr lang="he-IL">
               <a:solidFill>
                 <a:srgbClr val="0D47A1"/>
               </a:solidFill>
@@ -5280,7 +6291,7 @@
           </a:p>
           <a:p>
             <a:pPr algn="r" rtl="1"/>
-            <a:endParaRPr lang="en-IL" dirty="0">
+            <a:endParaRPr lang="en-IL">
               <a:solidFill>
                 <a:srgbClr val="0D47A1"/>
               </a:solidFill>
@@ -5340,14 +6351,14 @@
           <a:lstStyle/>
           <a:p>
             <a:r>
-              <a:rPr lang="en-US" dirty="0">
+              <a:rPr lang="en-US">
                 <a:solidFill>
                   <a:srgbClr val="0D47A1"/>
                 </a:solidFill>
               </a:rPr>
               <a:t>Methodology - Incremental model</a:t>
             </a:r>
-            <a:endParaRPr lang="en-IL" dirty="0">
+            <a:endParaRPr lang="en-IL">
               <a:solidFill>
                 <a:srgbClr val="0D47A1"/>
               </a:solidFill>
@@ -5436,14 +6447,14 @@
           <a:lstStyle/>
           <a:p>
             <a:r>
-              <a:rPr lang="en-US" dirty="0">
+              <a:rPr lang="en-US">
                 <a:solidFill>
                   <a:srgbClr val="0D47A1"/>
                 </a:solidFill>
               </a:rPr>
               <a:t>Use Case Diagram</a:t>
             </a:r>
-            <a:endParaRPr lang="he-IL" dirty="0">
+            <a:endParaRPr lang="he-IL">
               <a:solidFill>
                 <a:srgbClr val="0D47A1"/>
               </a:solidFill>
@@ -5482,8 +6493,8 @@
         </p:blipFill>
         <p:spPr bwMode="auto">
           <a:xfrm>
-            <a:off x="1313185" y="1825625"/>
-            <a:ext cx="9565630" cy="4351338"/>
+            <a:off x="102963" y="1312312"/>
+            <a:ext cx="11986073" cy="5452381"/>
           </a:xfrm>
           <a:prstGeom prst="rect">
             <a:avLst/>
@@ -5494,6 +6505,42 @@
           </a:ln>
         </p:spPr>
       </p:pic>
+      <p:sp>
+        <p:nvSpPr>
+          <p:cNvPr id="3" name="TextBox 2">
+            <a:extLst>
+              <a:ext uri="{FF2B5EF4-FFF2-40B4-BE49-F238E27FC236}">
+                <a16:creationId xmlns:a16="http://schemas.microsoft.com/office/drawing/2014/main" id="{FF9B3B9D-4EF4-B058-ED29-21943E280056}"/>
+              </a:ext>
+            </a:extLst>
+          </p:cNvPr>
+          <p:cNvSpPr txBox="1"/>
+          <p:nvPr/>
+        </p:nvSpPr>
+        <p:spPr>
+          <a:xfrm>
+            <a:off x="5784980" y="2507070"/>
+            <a:ext cx="926857" cy="261610"/>
+          </a:xfrm>
+          <a:prstGeom prst="rect">
+            <a:avLst/>
+          </a:prstGeom>
+          <a:noFill/>
+        </p:spPr>
+        <p:txBody>
+          <a:bodyPr wrap="square" rtlCol="1">
+            <a:spAutoFit/>
+          </a:bodyPr>
+          <a:lstStyle/>
+          <a:p>
+            <a:r>
+              <a:rPr lang="en-US" sz="1100"/>
+              <a:t>include</a:t>
+            </a:r>
+            <a:endParaRPr lang="he-IL" sz="1100"/>
+          </a:p>
+        </p:txBody>
+      </p:sp>
     </p:spTree>
     <p:extLst>
       <p:ext uri="{BB962C8B-B14F-4D97-AF65-F5344CB8AC3E}">
@@ -5552,14 +6599,14 @@
           <a:lstStyle/>
           <a:p>
             <a:r>
-              <a:rPr lang="en-US" dirty="0">
+              <a:rPr lang="en-US">
                 <a:solidFill>
                   <a:srgbClr val="0D47A1"/>
                 </a:solidFill>
               </a:rPr>
               <a:t>Sequence Diagram</a:t>
             </a:r>
-            <a:endParaRPr lang="he-IL" dirty="0">
+            <a:endParaRPr lang="he-IL">
               <a:solidFill>
                 <a:srgbClr val="0D47A1"/>
               </a:solidFill>
@@ -5668,14 +6715,14 @@
           <a:lstStyle/>
           <a:p>
             <a:r>
-              <a:rPr lang="en-US" dirty="0">
+              <a:rPr lang="en-US">
                 <a:solidFill>
                   <a:srgbClr val="0D47A1"/>
                 </a:solidFill>
               </a:rPr>
               <a:t>Activity Diagram</a:t>
             </a:r>
-            <a:endParaRPr lang="he-IL" dirty="0">
+            <a:endParaRPr lang="he-IL">
               <a:solidFill>
                 <a:srgbClr val="0D47A1"/>
               </a:solidFill>
@@ -6304,18 +7351,18 @@
 <file path=customXml/itemProps1.xml><?xml version="1.0" encoding="utf-8"?>
 <ds:datastoreItem xmlns:ds="http://schemas.openxmlformats.org/officeDocument/2006/customXml" ds:itemID="{6A9302B3-64E5-448D-9FF6-71F9277ECD52}">
   <ds:schemaRefs>
-    <ds:schemaRef ds:uri="http://schemas.microsoft.com/office/2006/metadata/contentType"/>
-    <ds:schemaRef ds:uri="http://schemas.microsoft.com/office/2006/metadata/properties/metaAttributes"/>
-    <ds:schemaRef ds:uri="http://www.w3.org/2001/XMLSchema"/>
-    <ds:schemaRef ds:uri="http://schemas.microsoft.com/office/2006/metadata/properties"/>
+    <ds:schemaRef ds:uri="0a585ee2-7528-4c25-ba03-0c2a13d778b9"/>
     <ds:schemaRef ds:uri="93079899-3863-4857-a82b-0ca2eafd64e1"/>
-    <ds:schemaRef ds:uri="0a585ee2-7528-4c25-ba03-0c2a13d778b9"/>
-    <ds:schemaRef ds:uri="http://schemas.microsoft.com/office/2006/documentManagement/types"/>
-    <ds:schemaRef ds:uri="http://schemas.microsoft.com/office/infopath/2007/PartnerControls"/>
-    <ds:schemaRef ds:uri="http://schemas.openxmlformats.org/package/2006/metadata/core-properties"/>
     <ds:schemaRef ds:uri="http://purl.org/dc/elements/1.1/"/>
     <ds:schemaRef ds:uri="http://purl.org/dc/terms/"/>
     <ds:schemaRef ds:uri="http://schemas.microsoft.com/internal/obd"/>
+    <ds:schemaRef ds:uri="http://schemas.microsoft.com/office/2006/documentManagement/types"/>
+    <ds:schemaRef ds:uri="http://schemas.microsoft.com/office/2006/metadata/contentType"/>
+    <ds:schemaRef ds:uri="http://schemas.microsoft.com/office/2006/metadata/properties"/>
+    <ds:schemaRef ds:uri="http://schemas.microsoft.com/office/2006/metadata/properties/metaAttributes"/>
+    <ds:schemaRef ds:uri="http://schemas.microsoft.com/office/infopath/2007/PartnerControls"/>
+    <ds:schemaRef ds:uri="http://schemas.openxmlformats.org/package/2006/metadata/core-properties"/>
+    <ds:schemaRef ds:uri="http://www.w3.org/2001/XMLSchema"/>
   </ds:schemaRefs>
 </ds:datastoreItem>
 </file>
@@ -6331,16 +7378,16 @@
 <file path=customXml/itemProps3.xml><?xml version="1.0" encoding="utf-8"?>
 <ds:datastoreItem xmlns:ds="http://schemas.openxmlformats.org/officeDocument/2006/customXml" ds:itemID="{E36D4A47-93CD-4FA9-973F-0EBCE848EF13}">
   <ds:schemaRefs>
-    <ds:schemaRef ds:uri="http://schemas.microsoft.com/office/2006/documentManagement/types"/>
+    <ds:schemaRef ds:uri="0a585ee2-7528-4c25-ba03-0c2a13d778b9"/>
     <ds:schemaRef ds:uri="93079899-3863-4857-a82b-0ca2eafd64e1"/>
-    <ds:schemaRef ds:uri="http://purl.org/dc/terms/"/>
-    <ds:schemaRef ds:uri="http://schemas.microsoft.com/office/infopath/2007/PartnerControls"/>
-    <ds:schemaRef ds:uri="http://schemas.microsoft.com/office/2006/metadata/properties"/>
-    <ds:schemaRef ds:uri="http://schemas.openxmlformats.org/package/2006/metadata/core-properties"/>
-    <ds:schemaRef ds:uri="0a585ee2-7528-4c25-ba03-0c2a13d778b9"/>
-    <ds:schemaRef ds:uri="http://www.w3.org/XML/1998/namespace"/>
     <ds:schemaRef ds:uri="http://purl.org/dc/dcmitype/"/>
     <ds:schemaRef ds:uri="http://purl.org/dc/elements/1.1/"/>
+    <ds:schemaRef ds:uri="http://purl.org/dc/terms/"/>
+    <ds:schemaRef ds:uri="http://schemas.microsoft.com/office/2006/documentManagement/types"/>
+    <ds:schemaRef ds:uri="http://schemas.microsoft.com/office/2006/metadata/properties"/>
+    <ds:schemaRef ds:uri="http://schemas.microsoft.com/office/infopath/2007/PartnerControls"/>
+    <ds:schemaRef ds:uri="http://schemas.openxmlformats.org/package/2006/metadata/core-properties"/>
+    <ds:schemaRef ds:uri="http://www.w3.org/XML/1998/namespace"/>
   </ds:schemaRefs>
 </ds:datastoreItem>
 </file>